--- a/presentacion/Presentacion Tesis 2014 - II.pptx
+++ b/presentacion/Presentacion Tesis 2014 - II.pptx
@@ -9,7 +9,7 @@
     <p:sldMasterId id="2147483700" r:id="rId5"/>
   </p:sldMasterIdLst>
   <p:notesMasterIdLst>
-    <p:notesMasterId r:id="rId36"/>
+    <p:notesMasterId r:id="rId38"/>
   </p:notesMasterIdLst>
   <p:sldIdLst>
     <p:sldId id="256" r:id="rId6"/>
@@ -34,14 +34,16 @@
     <p:sldId id="275" r:id="rId25"/>
     <p:sldId id="276" r:id="rId26"/>
     <p:sldId id="284" r:id="rId27"/>
-    <p:sldId id="285" r:id="rId28"/>
-    <p:sldId id="277" r:id="rId29"/>
-    <p:sldId id="278" r:id="rId30"/>
-    <p:sldId id="279" r:id="rId31"/>
-    <p:sldId id="280" r:id="rId32"/>
-    <p:sldId id="281" r:id="rId33"/>
-    <p:sldId id="282" r:id="rId34"/>
-    <p:sldId id="283" r:id="rId35"/>
+    <p:sldId id="287" r:id="rId28"/>
+    <p:sldId id="285" r:id="rId29"/>
+    <p:sldId id="277" r:id="rId30"/>
+    <p:sldId id="278" r:id="rId31"/>
+    <p:sldId id="279" r:id="rId32"/>
+    <p:sldId id="286" r:id="rId33"/>
+    <p:sldId id="280" r:id="rId34"/>
+    <p:sldId id="281" r:id="rId35"/>
+    <p:sldId id="282" r:id="rId36"/>
+    <p:sldId id="283" r:id="rId37"/>
   </p:sldIdLst>
   <p:sldSz cx="9144000" cy="6858000" type="screen4x3"/>
   <p:notesSz cx="6797675" cy="9926638"/>
@@ -595,6 +597,105 @@
 </p:notes>
 </file>
 
+<file path=ppt/notesSlides/notesSlide3.xml><?xml version="1.0" encoding="utf-8"?>
+<p:notes xmlns:a="http://schemas.openxmlformats.org/drawingml/2006/main" xmlns:r="http://schemas.openxmlformats.org/officeDocument/2006/relationships" xmlns:p="http://schemas.openxmlformats.org/presentationml/2006/main">
+  <p:cSld>
+    <p:spTree>
+      <p:nvGrpSpPr>
+        <p:cNvPr id="1" name=""/>
+        <p:cNvGrpSpPr/>
+        <p:nvPr/>
+      </p:nvGrpSpPr>
+      <p:grpSpPr>
+        <a:xfrm>
+          <a:off x="0" y="0"/>
+          <a:ext cx="0" cy="0"/>
+          <a:chOff x="0" y="0"/>
+          <a:chExt cx="0" cy="0"/>
+        </a:xfrm>
+      </p:grpSpPr>
+      <p:sp>
+        <p:nvSpPr>
+          <p:cNvPr id="2" name="1 Marcador de imagen de diapositiva"/>
+          <p:cNvSpPr>
+            <a:spLocks noGrp="1" noRot="1" noChangeAspect="1"/>
+          </p:cNvSpPr>
+          <p:nvPr>
+            <p:ph type="sldImg"/>
+          </p:nvPr>
+        </p:nvSpPr>
+        <p:spPr>
+          <a:xfrm>
+            <a:off x="917575" y="744538"/>
+            <a:ext cx="4962525" cy="3722687"/>
+          </a:xfrm>
+          <a:prstGeom prst="rect">
+            <a:avLst/>
+          </a:prstGeom>
+          <a:noFill/>
+          <a:ln w="12700">
+            <a:solidFill>
+              <a:prstClr val="black"/>
+            </a:solidFill>
+          </a:ln>
+        </p:spPr>
+      </p:sp>
+      <p:sp>
+        <p:nvSpPr>
+          <p:cNvPr id="3" name="2 Marcador de notas"/>
+          <p:cNvSpPr>
+            <a:spLocks noGrp="1"/>
+          </p:cNvSpPr>
+          <p:nvPr>
+            <p:ph type="body" idx="1"/>
+          </p:nvPr>
+        </p:nvSpPr>
+        <p:spPr/>
+        <p:txBody>
+          <a:bodyPr/>
+          <a:lstStyle/>
+          <a:p>
+            <a:endParaRPr lang="es-EC" dirty="0"/>
+          </a:p>
+        </p:txBody>
+      </p:sp>
+      <p:sp>
+        <p:nvSpPr>
+          <p:cNvPr id="4" name="3 Marcador de número de diapositiva"/>
+          <p:cNvSpPr>
+            <a:spLocks noGrp="1"/>
+          </p:cNvSpPr>
+          <p:nvPr>
+            <p:ph type="sldNum" idx="10"/>
+          </p:nvPr>
+        </p:nvSpPr>
+        <p:spPr/>
+        <p:txBody>
+          <a:bodyPr/>
+          <a:lstStyle/>
+          <a:p>
+            <a:pPr algn="r"/>
+            <a:fld id="{6D51EECA-DE58-47CC-9357-AB74A8B9A319}" type="slidenum">
+              <a:rPr lang="es-EC" smtClean="0"/>
+              <a:t>29</a:t>
+            </a:fld>
+            <a:endParaRPr lang="es-EC"/>
+          </a:p>
+        </p:txBody>
+      </p:sp>
+    </p:spTree>
+    <p:extLst>
+      <p:ext uri="{BB962C8B-B14F-4D97-AF65-F5344CB8AC3E}">
+        <p14:creationId xmlns:p14="http://schemas.microsoft.com/office/powerpoint/2010/main" val="1229155884"/>
+      </p:ext>
+    </p:extLst>
+  </p:cSld>
+  <p:clrMapOvr>
+    <a:masterClrMapping/>
+  </p:clrMapOvr>
+</p:notes>
+</file>
+
 <file path=ppt/slideLayouts/slideLayout1.xml><?xml version="1.0" encoding="utf-8"?>
 <p:sldLayout xmlns:a="http://schemas.openxmlformats.org/drawingml/2006/main" xmlns:r="http://schemas.openxmlformats.org/officeDocument/2006/relationships" xmlns:p="http://schemas.openxmlformats.org/presentationml/2006/main" type="blank" preserve="1">
   <p:cSld name="Blank Slide">
@@ -8569,14 +8670,14 @@
           <p:nvPr>
             <p:extLst>
               <p:ext uri="{D42A27DB-BD31-4B8C-83A1-F6EECF244321}">
-                <p14:modId xmlns:p14="http://schemas.microsoft.com/office/powerpoint/2010/main" val="4108068429"/>
+                <p14:modId xmlns:p14="http://schemas.microsoft.com/office/powerpoint/2010/main" val="2145854385"/>
               </p:ext>
             </p:extLst>
           </p:nvPr>
         </p:nvGraphicFramePr>
         <p:xfrm>
           <a:off x="295200" y="1054080"/>
-          <a:ext cx="8480160" cy="2949360"/>
+          <a:ext cx="8480160" cy="3341520"/>
         </p:xfrm>
         <a:graphic>
           <a:graphicData uri="http://schemas.openxmlformats.org/drawingml/2006/table">
@@ -8811,16 +8912,24 @@
                         </a:lnSpc>
                       </a:pPr>
                       <a:r>
-                        <a:rPr lang="es-EC" sz="1400" b="1">
+                        <a:rPr lang="es-EC" sz="1400" b="1" dirty="0" err="1" smtClean="0">
                           <a:solidFill>
                             <a:srgbClr val="000000"/>
                           </a:solidFill>
                           <a:latin typeface="Myriad Pro"/>
                           <a:ea typeface="Arial"/>
+                          <a:cs typeface="+mn-cs"/>
                         </a:rPr>
                         <a:t>Tesista</a:t>
                       </a:r>
-                      <a:endParaRPr b="1"/>
+                      <a:endParaRPr sz="1400" b="1" dirty="0">
+                        <a:solidFill>
+                          <a:srgbClr val="000000"/>
+                        </a:solidFill>
+                        <a:latin typeface="Myriad Pro"/>
+                        <a:ea typeface="Arial"/>
+                        <a:cs typeface="+mn-cs"/>
+                      </a:endParaRPr>
                     </a:p>
                   </a:txBody>
                   <a:tcPr/>
@@ -8842,6 +8951,7 @@
                           </a:solidFill>
                           <a:latin typeface="Myriad Pro"/>
                           <a:ea typeface="Arial"/>
+                          <a:cs typeface="+mn-cs"/>
                         </a:rPr>
                         <a:t>Falta de </a:t>
                       </a:r>
@@ -8852,6 +8962,7 @@
                           </a:solidFill>
                           <a:latin typeface="Myriad Pro"/>
                           <a:ea typeface="Arial"/>
+                          <a:cs typeface="+mn-cs"/>
                         </a:rPr>
                         <a:t>conociendo: </a:t>
                       </a:r>
@@ -8862,6 +8973,7 @@
                           </a:solidFill>
                           <a:latin typeface="Myriad Pro"/>
                           <a:ea typeface="Arial"/>
+                          <a:cs typeface="+mn-cs"/>
                         </a:rPr>
                         <a:t>conceptos, herramientas y </a:t>
                       </a:r>
@@ -8872,10 +8984,18 @@
                           </a:solidFill>
                           <a:latin typeface="Myriad Pro"/>
                           <a:ea typeface="Arial"/>
+                          <a:cs typeface="+mn-cs"/>
                         </a:rPr>
                         <a:t>tecnologias</a:t>
                       </a:r>
-                      <a:endParaRPr b="1" dirty="0"/>
+                      <a:endParaRPr sz="1400" b="1" dirty="0">
+                        <a:solidFill>
+                          <a:srgbClr val="000000"/>
+                        </a:solidFill>
+                        <a:latin typeface="Myriad Pro"/>
+                        <a:ea typeface="Arial"/>
+                        <a:cs typeface="+mn-cs"/>
+                      </a:endParaRPr>
                     </a:p>
                   </a:txBody>
                   <a:tcPr/>
@@ -8897,10 +9017,18 @@
                           </a:solidFill>
                           <a:latin typeface="Myriad Pro"/>
                           <a:ea typeface="Arial"/>
+                          <a:cs typeface="+mn-cs"/>
                         </a:rPr>
                         <a:t>03/12/2013</a:t>
                       </a:r>
-                      <a:endParaRPr b="1" dirty="0"/>
+                      <a:endParaRPr sz="1400" b="1" dirty="0">
+                        <a:solidFill>
+                          <a:srgbClr val="000000"/>
+                        </a:solidFill>
+                        <a:latin typeface="Myriad Pro"/>
+                        <a:ea typeface="Arial"/>
+                        <a:cs typeface="+mn-cs"/>
+                      </a:endParaRPr>
                     </a:p>
                   </a:txBody>
                   <a:tcPr/>
@@ -8922,10 +9050,18 @@
                           </a:solidFill>
                           <a:latin typeface="Myriad Pro"/>
                           <a:ea typeface="Arial"/>
+                          <a:cs typeface="+mn-cs"/>
                         </a:rPr>
                         <a:t>---</a:t>
                       </a:r>
-                      <a:endParaRPr b="1"/>
+                      <a:endParaRPr sz="1400" b="1">
+                        <a:solidFill>
+                          <a:srgbClr val="000000"/>
+                        </a:solidFill>
+                        <a:latin typeface="Myriad Pro"/>
+                        <a:ea typeface="Arial"/>
+                        <a:cs typeface="+mn-cs"/>
+                      </a:endParaRPr>
                     </a:p>
                   </a:txBody>
                   <a:tcPr/>
@@ -8943,16 +9079,35 @@
                         <a:buChar char="-"/>
                       </a:pPr>
                       <a:r>
-                        <a:rPr lang="es-EC" sz="1400" b="1">
+                        <a:rPr lang="es-EC" sz="1400" b="1" dirty="0">
                           <a:solidFill>
                             <a:srgbClr val="000000"/>
                           </a:solidFill>
                           <a:latin typeface="Myriad Pro"/>
                           <a:ea typeface="Arial"/>
+                          <a:cs typeface="+mn-cs"/>
                         </a:rPr>
-                        <a:t>Dedicación tiempo extra investigación</a:t>
+                        <a:t>Dedicación tiempo extra </a:t>
                       </a:r>
-                      <a:endParaRPr b="1"/>
+                      <a:r>
+                        <a:rPr lang="es-EC" sz="1400" b="1" dirty="0" smtClean="0">
+                          <a:solidFill>
+                            <a:srgbClr val="000000"/>
+                          </a:solidFill>
+                          <a:latin typeface="Myriad Pro"/>
+                          <a:ea typeface="Arial"/>
+                          <a:cs typeface="+mn-cs"/>
+                        </a:rPr>
+                        <a:t>a la investigación durante la jornada</a:t>
+                      </a:r>
+                      <a:endParaRPr sz="1400" b="1" dirty="0">
+                        <a:solidFill>
+                          <a:srgbClr val="000000"/>
+                        </a:solidFill>
+                        <a:latin typeface="Myriad Pro"/>
+                        <a:ea typeface="Arial"/>
+                        <a:cs typeface="+mn-cs"/>
+                      </a:endParaRPr>
                     </a:p>
                   </a:txBody>
                   <a:tcPr/>
@@ -8968,7 +9123,7 @@
                         </a:lnSpc>
                       </a:pPr>
                       <a:r>
-                        <a:rPr lang="es-EC" sz="900" b="1">
+                        <a:rPr lang="es-EC" sz="900" b="1" dirty="0" smtClean="0">
                           <a:solidFill>
                             <a:srgbClr val="FF0000"/>
                           </a:solidFill>
@@ -8976,7 +9131,7 @@
                         </a:rPr>
                         <a:t>Abierto</a:t>
                       </a:r>
-                      <a:endParaRPr b="1"/>
+                      <a:endParaRPr b="1" dirty="0"/>
                     </a:p>
                     <a:p>
                       <a:pPr>
@@ -8984,7 +9139,414 @@
                           <a:spcPct val="100000"/>
                         </a:lnSpc>
                       </a:pPr>
-                      <a:endParaRPr b="1"/>
+                      <a:endParaRPr b="1" dirty="0"/>
+                    </a:p>
+                  </a:txBody>
+                  <a:tcPr/>
+                </a:tc>
+              </a:tr>
+              <a:tr h="428760">
+                <a:tc>
+                  <a:txBody>
+                    <a:bodyPr/>
+                    <a:lstStyle/>
+                    <a:p>
+                      <a:r>
+                        <a:rPr lang="es-EC" sz="1400" b="1" dirty="0" err="1" smtClean="0">
+                          <a:solidFill>
+                            <a:srgbClr val="000000"/>
+                          </a:solidFill>
+                          <a:latin typeface="Myriad Pro"/>
+                          <a:ea typeface="Arial"/>
+                          <a:cs typeface="+mn-cs"/>
+                        </a:rPr>
+                        <a:t>Tesista</a:t>
+                      </a:r>
+                      <a:endParaRPr lang="es-EC" sz="1400" b="1" dirty="0">
+                        <a:solidFill>
+                          <a:srgbClr val="000000"/>
+                        </a:solidFill>
+                        <a:latin typeface="Myriad Pro"/>
+                        <a:ea typeface="Arial"/>
+                        <a:cs typeface="+mn-cs"/>
+                      </a:endParaRPr>
+                    </a:p>
+                  </a:txBody>
+                  <a:tcPr/>
+                </a:tc>
+                <a:tc>
+                  <a:txBody>
+                    <a:bodyPr/>
+                    <a:lstStyle/>
+                    <a:p>
+                      <a:r>
+                        <a:rPr lang="es-EC" sz="1400" b="1" dirty="0" smtClean="0">
+                          <a:solidFill>
+                            <a:srgbClr val="000000"/>
+                          </a:solidFill>
+                          <a:latin typeface="Myriad Pro"/>
+                          <a:ea typeface="Arial"/>
+                          <a:cs typeface="+mn-cs"/>
+                        </a:rPr>
+                        <a:t>No cumplir con el Cronograma establecido</a:t>
+                      </a:r>
+                      <a:endParaRPr lang="es-EC" sz="1400" b="1" dirty="0">
+                        <a:solidFill>
+                          <a:srgbClr val="000000"/>
+                        </a:solidFill>
+                        <a:latin typeface="Myriad Pro"/>
+                        <a:ea typeface="Arial"/>
+                        <a:cs typeface="+mn-cs"/>
+                      </a:endParaRPr>
+                    </a:p>
+                  </a:txBody>
+                  <a:tcPr/>
+                </a:tc>
+                <a:tc>
+                  <a:txBody>
+                    <a:bodyPr/>
+                    <a:lstStyle/>
+                    <a:p>
+                      <a:pPr marL="0" marR="0" indent="0" defTabSz="914400" eaLnBrk="1" fontAlgn="auto" latinLnBrk="0" hangingPunct="1">
+                        <a:lnSpc>
+                          <a:spcPct val="100000"/>
+                        </a:lnSpc>
+                        <a:spcBef>
+                          <a:spcPts val="0"/>
+                        </a:spcBef>
+                        <a:spcAft>
+                          <a:spcPts val="0"/>
+                        </a:spcAft>
+                        <a:buClrTx/>
+                        <a:buSzTx/>
+                        <a:buFontTx/>
+                        <a:buNone/>
+                        <a:tabLst/>
+                        <a:defRPr/>
+                      </a:pPr>
+                      <a:r>
+                        <a:rPr lang="es-EC" sz="1400" b="1" dirty="0" smtClean="0">
+                          <a:solidFill>
+                            <a:srgbClr val="000000"/>
+                          </a:solidFill>
+                          <a:latin typeface="Myriad Pro"/>
+                          <a:ea typeface="Arial"/>
+                          <a:cs typeface="+mn-cs"/>
+                        </a:rPr>
+                        <a:t>03/12/2013</a:t>
+                      </a:r>
+                    </a:p>
+                    <a:p>
+                      <a:endParaRPr lang="es-EC" sz="1400" b="1" dirty="0">
+                        <a:solidFill>
+                          <a:srgbClr val="000000"/>
+                        </a:solidFill>
+                        <a:latin typeface="Myriad Pro"/>
+                        <a:ea typeface="Arial"/>
+                        <a:cs typeface="+mn-cs"/>
+                      </a:endParaRPr>
+                    </a:p>
+                  </a:txBody>
+                  <a:tcPr/>
+                </a:tc>
+                <a:tc>
+                  <a:txBody>
+                    <a:bodyPr/>
+                    <a:lstStyle/>
+                    <a:p>
+                      <a:endParaRPr lang="es-EC" sz="1400" b="1" dirty="0">
+                        <a:solidFill>
+                          <a:srgbClr val="000000"/>
+                        </a:solidFill>
+                        <a:latin typeface="Myriad Pro"/>
+                        <a:ea typeface="Arial"/>
+                        <a:cs typeface="+mn-cs"/>
+                      </a:endParaRPr>
+                    </a:p>
+                  </a:txBody>
+                  <a:tcPr/>
+                </a:tc>
+                <a:tc>
+                  <a:txBody>
+                    <a:bodyPr/>
+                    <a:lstStyle/>
+                    <a:p>
+                      <a:r>
+                        <a:rPr lang="es-EC" sz="1400" b="1" dirty="0" smtClean="0">
+                          <a:solidFill>
+                            <a:srgbClr val="000000"/>
+                          </a:solidFill>
+                          <a:latin typeface="Myriad Pro"/>
+                          <a:ea typeface="Arial"/>
+                          <a:cs typeface="+mn-cs"/>
+                        </a:rPr>
+                        <a:t>-Alargar</a:t>
+                      </a:r>
+                      <a:r>
+                        <a:rPr lang="es-EC" sz="1400" b="1" baseline="0" dirty="0" smtClean="0">
+                          <a:solidFill>
+                            <a:srgbClr val="000000"/>
+                          </a:solidFill>
+                          <a:latin typeface="Myriad Pro"/>
+                          <a:ea typeface="Arial"/>
+                          <a:cs typeface="+mn-cs"/>
+                        </a:rPr>
+                        <a:t> tiempo de proyecto</a:t>
+                      </a:r>
+                      <a:endParaRPr lang="es-EC" sz="1400" b="1" dirty="0">
+                        <a:solidFill>
+                          <a:srgbClr val="000000"/>
+                        </a:solidFill>
+                        <a:latin typeface="Myriad Pro"/>
+                        <a:ea typeface="Arial"/>
+                        <a:cs typeface="+mn-cs"/>
+                      </a:endParaRPr>
+                    </a:p>
+                  </a:txBody>
+                  <a:tcPr/>
+                </a:tc>
+                <a:tc>
+                  <a:txBody>
+                    <a:bodyPr/>
+                    <a:lstStyle/>
+                    <a:p>
+                      <a:pPr algn="ctr"/>
+                      <a:r>
+                        <a:rPr lang="es-EC" sz="900" b="1" dirty="0" smtClean="0">
+                          <a:solidFill>
+                            <a:srgbClr val="FF0000"/>
+                          </a:solidFill>
+                          <a:latin typeface="Arial"/>
+                          <a:ea typeface="+mn-ea"/>
+                          <a:cs typeface="+mn-cs"/>
+                        </a:rPr>
+                        <a:t>Abierto</a:t>
+                      </a:r>
+                      <a:endParaRPr lang="es-EC" sz="900" b="1" dirty="0">
+                        <a:solidFill>
+                          <a:srgbClr val="FF0000"/>
+                        </a:solidFill>
+                        <a:latin typeface="Arial"/>
+                        <a:ea typeface="+mn-ea"/>
+                        <a:cs typeface="+mn-cs"/>
+                      </a:endParaRPr>
+                    </a:p>
+                  </a:txBody>
+                  <a:tcPr/>
+                </a:tc>
+              </a:tr>
+              <a:tr h="428760">
+                <a:tc>
+                  <a:txBody>
+                    <a:bodyPr/>
+                    <a:lstStyle/>
+                    <a:p>
+                      <a:r>
+                        <a:rPr lang="es-EC" sz="1400" b="1" dirty="0" err="1" smtClean="0">
+                          <a:solidFill>
+                            <a:srgbClr val="000000"/>
+                          </a:solidFill>
+                          <a:latin typeface="Myriad Pro"/>
+                          <a:ea typeface="Arial"/>
+                          <a:cs typeface="+mn-cs"/>
+                        </a:rPr>
+                        <a:t>Tesista</a:t>
+                      </a:r>
+                      <a:endParaRPr lang="es-EC" sz="1400" b="1" dirty="0">
+                        <a:solidFill>
+                          <a:srgbClr val="000000"/>
+                        </a:solidFill>
+                        <a:latin typeface="Myriad Pro"/>
+                        <a:ea typeface="Arial"/>
+                        <a:cs typeface="+mn-cs"/>
+                      </a:endParaRPr>
+                    </a:p>
+                  </a:txBody>
+                  <a:tcPr/>
+                </a:tc>
+                <a:tc>
+                  <a:txBody>
+                    <a:bodyPr/>
+                    <a:lstStyle/>
+                    <a:p>
+                      <a:r>
+                        <a:rPr lang="es-EC" sz="1400" b="1" dirty="0" smtClean="0">
+                          <a:solidFill>
+                            <a:srgbClr val="000000"/>
+                          </a:solidFill>
+                          <a:latin typeface="Myriad Pro"/>
+                          <a:ea typeface="Arial"/>
+                          <a:cs typeface="+mn-cs"/>
+                        </a:rPr>
+                        <a:t>Tiempo</a:t>
+                      </a:r>
+                      <a:endParaRPr lang="es-EC" sz="1400" b="1" dirty="0">
+                        <a:solidFill>
+                          <a:srgbClr val="000000"/>
+                        </a:solidFill>
+                        <a:latin typeface="Myriad Pro"/>
+                        <a:ea typeface="Arial"/>
+                        <a:cs typeface="+mn-cs"/>
+                      </a:endParaRPr>
+                    </a:p>
+                  </a:txBody>
+                  <a:tcPr/>
+                </a:tc>
+                <a:tc>
+                  <a:txBody>
+                    <a:bodyPr/>
+                    <a:lstStyle/>
+                    <a:p>
+                      <a:pPr marL="0" marR="0" indent="0" defTabSz="914400" eaLnBrk="1" fontAlgn="auto" latinLnBrk="0" hangingPunct="1">
+                        <a:lnSpc>
+                          <a:spcPct val="100000"/>
+                        </a:lnSpc>
+                        <a:spcBef>
+                          <a:spcPts val="0"/>
+                        </a:spcBef>
+                        <a:spcAft>
+                          <a:spcPts val="0"/>
+                        </a:spcAft>
+                        <a:buClrTx/>
+                        <a:buSzTx/>
+                        <a:buFontTx/>
+                        <a:buNone/>
+                        <a:tabLst/>
+                        <a:defRPr/>
+                      </a:pPr>
+                      <a:r>
+                        <a:rPr lang="es-EC" sz="1400" b="1" dirty="0" smtClean="0">
+                          <a:solidFill>
+                            <a:srgbClr val="000000"/>
+                          </a:solidFill>
+                          <a:latin typeface="Myriad Pro"/>
+                          <a:ea typeface="Arial"/>
+                          <a:cs typeface="+mn-cs"/>
+                        </a:rPr>
+                        <a:t>03/12/2013</a:t>
+                      </a:r>
+                    </a:p>
+                    <a:p>
+                      <a:endParaRPr lang="es-EC" sz="1400" b="1" dirty="0">
+                        <a:solidFill>
+                          <a:srgbClr val="000000"/>
+                        </a:solidFill>
+                        <a:latin typeface="Myriad Pro"/>
+                        <a:ea typeface="Arial"/>
+                        <a:cs typeface="+mn-cs"/>
+                      </a:endParaRPr>
+                    </a:p>
+                  </a:txBody>
+                  <a:tcPr/>
+                </a:tc>
+                <a:tc>
+                  <a:txBody>
+                    <a:bodyPr/>
+                    <a:lstStyle/>
+                    <a:p>
+                      <a:endParaRPr lang="es-EC" sz="1400" b="1" dirty="0">
+                        <a:solidFill>
+                          <a:srgbClr val="000000"/>
+                        </a:solidFill>
+                        <a:latin typeface="Myriad Pro"/>
+                        <a:ea typeface="Arial"/>
+                        <a:cs typeface="+mn-cs"/>
+                      </a:endParaRPr>
+                    </a:p>
+                  </a:txBody>
+                  <a:tcPr/>
+                </a:tc>
+                <a:tc>
+                  <a:txBody>
+                    <a:bodyPr/>
+                    <a:lstStyle/>
+                    <a:p>
+                      <a:pPr marL="0" marR="0" indent="0" defTabSz="914400" eaLnBrk="1" fontAlgn="auto" latinLnBrk="0" hangingPunct="1">
+                        <a:lnSpc>
+                          <a:spcPct val="100000"/>
+                        </a:lnSpc>
+                        <a:spcBef>
+                          <a:spcPts val="0"/>
+                        </a:spcBef>
+                        <a:spcAft>
+                          <a:spcPts val="0"/>
+                        </a:spcAft>
+                        <a:buClrTx/>
+                        <a:buSzTx/>
+                        <a:buFontTx/>
+                        <a:buNone/>
+                        <a:tabLst/>
+                        <a:defRPr/>
+                      </a:pPr>
+                      <a:r>
+                        <a:rPr lang="es-EC" sz="1400" b="1" dirty="0" smtClean="0">
+                          <a:solidFill>
+                            <a:srgbClr val="000000"/>
+                          </a:solidFill>
+                          <a:latin typeface="Myriad Pro"/>
+                          <a:ea typeface="Arial"/>
+                          <a:cs typeface="+mn-cs"/>
+                        </a:rPr>
+                        <a:t>-Alargar</a:t>
+                      </a:r>
+                      <a:r>
+                        <a:rPr lang="es-EC" sz="1400" b="1" baseline="0" dirty="0" smtClean="0">
+                          <a:solidFill>
+                            <a:srgbClr val="000000"/>
+                          </a:solidFill>
+                          <a:latin typeface="Myriad Pro"/>
+                          <a:ea typeface="Arial"/>
+                          <a:cs typeface="+mn-cs"/>
+                        </a:rPr>
+                        <a:t> tiempo de proyecto</a:t>
+                      </a:r>
+                      <a:endParaRPr lang="es-EC" sz="1400" b="1" dirty="0" smtClean="0">
+                        <a:solidFill>
+                          <a:srgbClr val="000000"/>
+                        </a:solidFill>
+                        <a:latin typeface="Myriad Pro"/>
+                        <a:ea typeface="Arial"/>
+                        <a:cs typeface="+mn-cs"/>
+                      </a:endParaRPr>
+                    </a:p>
+                    <a:p>
+                      <a:endParaRPr lang="es-EC" sz="1400" b="1" dirty="0">
+                        <a:solidFill>
+                          <a:srgbClr val="000000"/>
+                        </a:solidFill>
+                        <a:latin typeface="Myriad Pro"/>
+                        <a:ea typeface="Arial"/>
+                        <a:cs typeface="+mn-cs"/>
+                      </a:endParaRPr>
+                    </a:p>
+                  </a:txBody>
+                  <a:tcPr/>
+                </a:tc>
+                <a:tc>
+                  <a:txBody>
+                    <a:bodyPr/>
+                    <a:lstStyle/>
+                    <a:p>
+                      <a:pPr algn="ctr"/>
+                      <a:r>
+                        <a:rPr lang="es-EC" sz="900" b="1" dirty="0" smtClean="0">
+                          <a:solidFill>
+                            <a:srgbClr val="FF0000"/>
+                          </a:solidFill>
+                          <a:latin typeface="Arial"/>
+                          <a:ea typeface="+mn-ea"/>
+                          <a:cs typeface="+mn-cs"/>
+                        </a:rPr>
+                        <a:t>Abierto</a:t>
+                      </a:r>
+                      <a:endParaRPr lang="es-EC" sz="900" b="1" dirty="0">
+                        <a:solidFill>
+                          <a:srgbClr val="FF0000"/>
+                        </a:solidFill>
+                        <a:latin typeface="Arial"/>
+                        <a:ea typeface="+mn-ea"/>
+                        <a:cs typeface="+mn-cs"/>
+                      </a:endParaRPr>
                     </a:p>
                   </a:txBody>
                   <a:tcPr/>
@@ -9016,7 +9578,7 @@
                     <a:bodyPr/>
                     <a:lstStyle/>
                     <a:p>
-                      <a:endParaRPr lang="es-EC" b="1"/>
+                      <a:endParaRPr lang="es-EC" b="1" dirty="0"/>
                     </a:p>
                   </a:txBody>
                   <a:tcPr/>
@@ -9026,7 +9588,7 @@
                     <a:bodyPr/>
                     <a:lstStyle/>
                     <a:p>
-                      <a:endParaRPr lang="es-EC" b="1"/>
+                      <a:endParaRPr lang="es-EC" b="1" dirty="0"/>
                     </a:p>
                   </a:txBody>
                   <a:tcPr/>
@@ -9036,131 +9598,7 @@
                     <a:bodyPr/>
                     <a:lstStyle/>
                     <a:p>
-                      <a:endParaRPr lang="es-EC" b="1"/>
-                    </a:p>
-                  </a:txBody>
-                  <a:tcPr/>
-                </a:tc>
-                <a:tc>
-                  <a:txBody>
-                    <a:bodyPr/>
-                    <a:lstStyle/>
-                    <a:p>
-                      <a:endParaRPr lang="es-EC" b="1"/>
-                    </a:p>
-                  </a:txBody>
-                  <a:tcPr/>
-                </a:tc>
-              </a:tr>
-              <a:tr h="428760">
-                <a:tc>
-                  <a:txBody>
-                    <a:bodyPr/>
-                    <a:lstStyle/>
-                    <a:p>
-                      <a:endParaRPr lang="es-EC" b="1"/>
-                    </a:p>
-                  </a:txBody>
-                  <a:tcPr/>
-                </a:tc>
-                <a:tc>
-                  <a:txBody>
-                    <a:bodyPr/>
-                    <a:lstStyle/>
-                    <a:p>
-                      <a:endParaRPr lang="es-EC" b="1"/>
-                    </a:p>
-                  </a:txBody>
-                  <a:tcPr/>
-                </a:tc>
-                <a:tc>
-                  <a:txBody>
-                    <a:bodyPr/>
-                    <a:lstStyle/>
-                    <a:p>
-                      <a:endParaRPr lang="es-EC" b="1"/>
-                    </a:p>
-                  </a:txBody>
-                  <a:tcPr/>
-                </a:tc>
-                <a:tc>
-                  <a:txBody>
-                    <a:bodyPr/>
-                    <a:lstStyle/>
-                    <a:p>
-                      <a:endParaRPr lang="es-EC" b="1"/>
-                    </a:p>
-                  </a:txBody>
-                  <a:tcPr/>
-                </a:tc>
-                <a:tc>
-                  <a:txBody>
-                    <a:bodyPr/>
-                    <a:lstStyle/>
-                    <a:p>
-                      <a:endParaRPr lang="es-EC" b="1"/>
-                    </a:p>
-                  </a:txBody>
-                  <a:tcPr/>
-                </a:tc>
-                <a:tc>
-                  <a:txBody>
-                    <a:bodyPr/>
-                    <a:lstStyle/>
-                    <a:p>
-                      <a:endParaRPr lang="es-EC" b="1"/>
-                    </a:p>
-                  </a:txBody>
-                  <a:tcPr/>
-                </a:tc>
-              </a:tr>
-              <a:tr h="428760">
-                <a:tc>
-                  <a:txBody>
-                    <a:bodyPr/>
-                    <a:lstStyle/>
-                    <a:p>
-                      <a:endParaRPr lang="es-EC" b="1"/>
-                    </a:p>
-                  </a:txBody>
-                  <a:tcPr/>
-                </a:tc>
-                <a:tc>
-                  <a:txBody>
-                    <a:bodyPr/>
-                    <a:lstStyle/>
-                    <a:p>
-                      <a:endParaRPr lang="es-EC" b="1"/>
-                    </a:p>
-                  </a:txBody>
-                  <a:tcPr/>
-                </a:tc>
-                <a:tc>
-                  <a:txBody>
-                    <a:bodyPr/>
-                    <a:lstStyle/>
-                    <a:p>
-                      <a:endParaRPr lang="es-EC" b="1"/>
-                    </a:p>
-                  </a:txBody>
-                  <a:tcPr/>
-                </a:tc>
-                <a:tc>
-                  <a:txBody>
-                    <a:bodyPr/>
-                    <a:lstStyle/>
-                    <a:p>
-                      <a:endParaRPr lang="es-EC" b="1"/>
-                    </a:p>
-                  </a:txBody>
-                  <a:tcPr/>
-                </a:tc>
-                <a:tc>
-                  <a:txBody>
-                    <a:bodyPr/>
-                    <a:lstStyle/>
-                    <a:p>
-                      <a:endParaRPr lang="es-EC" b="1"/>
+                      <a:endParaRPr lang="es-EC" b="1" dirty="0"/>
                     </a:p>
                   </a:txBody>
                   <a:tcPr/>
@@ -9265,6 +9703,56 @@
           </a:prstGeom>
         </p:spPr>
       </p:pic>
+      <p:sp>
+        <p:nvSpPr>
+          <p:cNvPr id="10" name="CustomShape 2"/>
+          <p:cNvSpPr/>
+          <p:nvPr/>
+        </p:nvSpPr>
+        <p:spPr>
+          <a:xfrm>
+            <a:off x="8172400" y="2924944"/>
+            <a:ext cx="244080" cy="244080"/>
+          </a:xfrm>
+          <a:prstGeom prst="ellipse">
+            <a:avLst/>
+          </a:prstGeom>
+          <a:solidFill>
+            <a:srgbClr val="FF0000"/>
+          </a:solidFill>
+          <a:ln w="19080">
+            <a:solidFill>
+              <a:srgbClr val="000000"/>
+            </a:solidFill>
+            <a:round/>
+          </a:ln>
+        </p:spPr>
+      </p:sp>
+      <p:sp>
+        <p:nvSpPr>
+          <p:cNvPr id="11" name="CustomShape 2"/>
+          <p:cNvSpPr/>
+          <p:nvPr/>
+        </p:nvSpPr>
+        <p:spPr>
+          <a:xfrm>
+            <a:off x="8172400" y="3472952"/>
+            <a:ext cx="244080" cy="244080"/>
+          </a:xfrm>
+          <a:prstGeom prst="ellipse">
+            <a:avLst/>
+          </a:prstGeom>
+          <a:solidFill>
+            <a:srgbClr val="FF0000"/>
+          </a:solidFill>
+          <a:ln w="19080">
+            <a:solidFill>
+              <a:srgbClr val="000000"/>
+            </a:solidFill>
+            <a:round/>
+          </a:ln>
+        </p:spPr>
+      </p:sp>
     </p:spTree>
   </p:cSld>
   <p:clrMapOvr>
@@ -11801,7 +12289,7 @@
       </p:sp>
       <p:pic>
         <p:nvPicPr>
-          <p:cNvPr id="1028" name="Picture 4"/>
+          <p:cNvPr id="1026" name="Picture 2"/>
           <p:cNvPicPr>
             <a:picLocks noChangeAspect="1" noChangeArrowheads="1"/>
           </p:cNvPicPr>
@@ -11822,8 +12310,8 @@
         </p:blipFill>
         <p:spPr bwMode="auto">
           <a:xfrm>
-            <a:off x="171083" y="1772816"/>
-            <a:ext cx="8865413" cy="3507656"/>
+            <a:off x="242888" y="2300288"/>
+            <a:ext cx="8658225" cy="2257425"/>
           </a:xfrm>
           <a:prstGeom prst="rect">
             <a:avLst/>
@@ -12282,11 +12770,21 @@
         <p:spPr>
           <a:xfrm>
             <a:off x="1115616" y="1374699"/>
-            <a:ext cx="6336704" cy="5006629"/>
-          </a:xfrm>
-          <a:prstGeom prst="rect">
-            <a:avLst/>
-          </a:prstGeom>
+            <a:ext cx="6912768" cy="5006629"/>
+          </a:xfrm>
+          <a:prstGeom prst="rect">
+            <a:avLst/>
+          </a:prstGeom>
+          <a:ln>
+            <a:noFill/>
+          </a:ln>
+          <a:effectLst>
+            <a:outerShdw blurRad="190500" algn="tl" rotWithShape="0">
+              <a:srgbClr val="000000">
+                <a:alpha val="70000"/>
+              </a:srgbClr>
+            </a:outerShdw>
+          </a:effectLst>
         </p:spPr>
       </p:pic>
     </p:spTree>
@@ -12455,6 +12953,13 @@
   <p:transition>
     <p:fade/>
   </p:transition>
+  <p:timing>
+    <p:tnLst>
+      <p:par>
+        <p:cTn id="1" dur="indefinite" restart="never" nodeType="tmRoot"/>
+      </p:par>
+    </p:tnLst>
+  </p:timing>
 </p:sld>
 </file>
 
@@ -12475,6 +12980,58 @@
           <a:chExt cx="0" cy="0"/>
         </a:xfrm>
       </p:grpSpPr>
+      <p:pic>
+        <p:nvPicPr>
+          <p:cNvPr id="3076" name="Picture 4"/>
+          <p:cNvPicPr>
+            <a:picLocks noChangeAspect="1" noChangeArrowheads="1"/>
+          </p:cNvPicPr>
+          <p:nvPr/>
+        </p:nvPicPr>
+        <p:blipFill rotWithShape="1">
+          <a:blip r:embed="rId2" cstate="print">
+            <a:extLst>
+              <a:ext uri="{28A0092B-C50C-407E-A947-70E740481C1C}">
+                <a14:useLocalDpi xmlns:a14="http://schemas.microsoft.com/office/drawing/2010/main" val="0"/>
+              </a:ext>
+            </a:extLst>
+          </a:blip>
+          <a:srcRect b="4542"/>
+          <a:stretch/>
+        </p:blipFill>
+        <p:spPr bwMode="auto">
+          <a:xfrm>
+            <a:off x="2699792" y="3769320"/>
+            <a:ext cx="4866915" cy="2612008"/>
+          </a:xfrm>
+          <a:prstGeom prst="rect">
+            <a:avLst/>
+          </a:prstGeom>
+          <a:noFill/>
+          <a:ln>
+            <a:noFill/>
+          </a:ln>
+          <a:extLst>
+            <a:ext uri="{909E8E84-426E-40DD-AFC4-6F175D3DCCD1}">
+              <a14:hiddenFill xmlns:a14="http://schemas.microsoft.com/office/drawing/2010/main">
+                <a:solidFill>
+                  <a:schemeClr val="accent1"/>
+                </a:solidFill>
+              </a14:hiddenFill>
+            </a:ext>
+            <a:ext uri="{91240B29-F687-4F45-9708-019B960494DF}">
+              <a14:hiddenLine xmlns:a14="http://schemas.microsoft.com/office/drawing/2010/main" w="9525">
+                <a:solidFill>
+                  <a:schemeClr val="tx1"/>
+                </a:solidFill>
+                <a:miter lim="800000"/>
+                <a:headEnd/>
+                <a:tailEnd/>
+              </a14:hiddenLine>
+            </a:ext>
+          </a:extLst>
+        </p:spPr>
+      </p:pic>
       <p:sp>
         <p:nvSpPr>
           <p:cNvPr id="2" name="1 Título"/>
@@ -12500,6 +13057,56 @@
               </a:rPr>
               <a:t>Arquitectura</a:t>
             </a:r>
+            <a:r>
+              <a:rPr lang="en-US" sz="3200" b="1" dirty="0" smtClean="0">
+                <a:solidFill>
+                  <a:srgbClr val="4E84C4"/>
+                </a:solidFill>
+                <a:latin typeface="Gill Sans"/>
+                <a:ea typeface="ＭＳ Ｐゴシック"/>
+              </a:rPr>
+              <a:t> – </a:t>
+            </a:r>
+            <a:r>
+              <a:rPr lang="en-US" sz="3200" b="1" dirty="0" err="1" smtClean="0">
+                <a:solidFill>
+                  <a:srgbClr val="4E84C4"/>
+                </a:solidFill>
+                <a:latin typeface="Gill Sans"/>
+                <a:ea typeface="ＭＳ Ｐゴシック"/>
+              </a:rPr>
+              <a:t>Logica</a:t>
+            </a:r>
+            <a:r>
+              <a:rPr lang="en-US" sz="3200" b="1" dirty="0" smtClean="0">
+                <a:solidFill>
+                  <a:srgbClr val="4E84C4"/>
+                </a:solidFill>
+                <a:latin typeface="Gill Sans"/>
+                <a:ea typeface="ＭＳ Ｐゴシック"/>
+              </a:rPr>
+              <a:t> del </a:t>
+            </a:r>
+            <a:r>
+              <a:rPr lang="en-US" sz="3200" b="1" dirty="0" err="1" smtClean="0">
+                <a:solidFill>
+                  <a:srgbClr val="4E84C4"/>
+                </a:solidFill>
+                <a:latin typeface="Gill Sans"/>
+                <a:ea typeface="ＭＳ Ｐゴシック"/>
+              </a:rPr>
+              <a:t>negocio</a:t>
+            </a:r>
+            <a:r>
+              <a:rPr lang="en-US" sz="3200" b="1" dirty="0" smtClean="0">
+                <a:solidFill>
+                  <a:srgbClr val="4E84C4"/>
+                </a:solidFill>
+                <a:latin typeface="Gill Sans"/>
+                <a:ea typeface="ＭＳ Ｐゴシック"/>
+              </a:rPr>
+              <a:t> </a:t>
+            </a:r>
             <a:endParaRPr lang="es-EC" sz="3200" dirty="0"/>
           </a:p>
         </p:txBody>
@@ -12516,262 +13123,246 @@
         </p:nvSpPr>
         <p:spPr>
           <a:xfrm>
-            <a:off x="1115616" y="1441500"/>
-            <a:ext cx="4156912" cy="2995612"/>
-          </a:xfrm>
-        </p:spPr>
-        <p:txBody>
-          <a:bodyPr/>
-          <a:lstStyle/>
-          <a:p>
-            <a:pPr marL="285750" indent="-285750">
-              <a:buFont typeface="Arial" panose="020B0604020202020204" pitchFamily="34" charset="0"/>
-              <a:buChar char="•"/>
-            </a:pPr>
-            <a:r>
-              <a:rPr lang="es-EC" dirty="0" err="1" smtClean="0">
-                <a:solidFill>
-                  <a:schemeClr val="tx1"/>
-                </a:solidFill>
-                <a:latin typeface="+mn-lt"/>
-                <a:ea typeface="Adobe Fangsong Std R" pitchFamily="18" charset="-128"/>
-              </a:rPr>
-              <a:t>Flask</a:t>
-            </a:r>
-            <a:r>
-              <a:rPr lang="es-EC" dirty="0" smtClean="0">
-                <a:solidFill>
-                  <a:schemeClr val="tx1"/>
-                </a:solidFill>
-                <a:latin typeface="+mn-lt"/>
-                <a:ea typeface="Adobe Fangsong Std R" pitchFamily="18" charset="-128"/>
-              </a:rPr>
-              <a:t> (WS)</a:t>
-            </a:r>
-          </a:p>
-          <a:p>
-            <a:pPr marL="285750" indent="-285750">
-              <a:buFont typeface="Arial" panose="020B0604020202020204" pitchFamily="34" charset="0"/>
-              <a:buChar char="•"/>
-            </a:pPr>
-            <a:endParaRPr lang="es-EC" dirty="0" smtClean="0">
-              <a:solidFill>
-                <a:schemeClr val="tx1"/>
-              </a:solidFill>
-              <a:latin typeface="+mn-lt"/>
-              <a:ea typeface="Adobe Fangsong Std R" pitchFamily="18" charset="-128"/>
-            </a:endParaRPr>
-          </a:p>
-          <a:p>
-            <a:pPr marL="285750" indent="-285750">
-              <a:buFont typeface="Arial" panose="020B0604020202020204" pitchFamily="34" charset="0"/>
-              <a:buChar char="•"/>
-            </a:pPr>
-            <a:r>
-              <a:rPr lang="es-EC" dirty="0" err="1" smtClean="0">
-                <a:solidFill>
-                  <a:schemeClr val="tx1"/>
-                </a:solidFill>
-                <a:latin typeface="+mn-lt"/>
-                <a:ea typeface="Adobe Fangsong Std R" pitchFamily="18" charset="-128"/>
-              </a:rPr>
-              <a:t>SPARQLWrapper</a:t>
-            </a:r>
-            <a:r>
-              <a:rPr lang="es-EC" dirty="0" smtClean="0">
-                <a:solidFill>
-                  <a:schemeClr val="tx1"/>
-                </a:solidFill>
-                <a:latin typeface="+mn-lt"/>
-                <a:ea typeface="Adobe Fangsong Std R" pitchFamily="18" charset="-128"/>
-              </a:rPr>
-              <a:t> (Consulta </a:t>
-            </a:r>
-            <a:r>
-              <a:rPr lang="es-EC" dirty="0" err="1" smtClean="0">
-                <a:solidFill>
-                  <a:schemeClr val="tx1"/>
-                </a:solidFill>
-                <a:latin typeface="+mn-lt"/>
-                <a:ea typeface="Adobe Fangsong Std R" pitchFamily="18" charset="-128"/>
-              </a:rPr>
-              <a:t>DBpedia</a:t>
-            </a:r>
-            <a:r>
-              <a:rPr lang="es-EC" dirty="0" smtClean="0">
-                <a:solidFill>
-                  <a:schemeClr val="tx1"/>
-                </a:solidFill>
-                <a:latin typeface="+mn-lt"/>
-                <a:ea typeface="Adobe Fangsong Std R" pitchFamily="18" charset="-128"/>
-              </a:rPr>
-              <a:t>)</a:t>
-            </a:r>
-          </a:p>
-          <a:p>
-            <a:pPr marL="285750" indent="-285750">
-              <a:buFont typeface="Arial" panose="020B0604020202020204" pitchFamily="34" charset="0"/>
-              <a:buChar char="•"/>
-            </a:pPr>
-            <a:endParaRPr lang="es-EC" dirty="0">
-              <a:solidFill>
-                <a:schemeClr val="tx1"/>
-              </a:solidFill>
-              <a:latin typeface="+mn-lt"/>
-              <a:ea typeface="Adobe Fangsong Std R" pitchFamily="18" charset="-128"/>
-            </a:endParaRPr>
-          </a:p>
-          <a:p>
-            <a:pPr marL="285750" indent="-285750">
-              <a:buFont typeface="Arial" panose="020B0604020202020204" pitchFamily="34" charset="0"/>
-              <a:buChar char="•"/>
-            </a:pPr>
-            <a:r>
-              <a:rPr lang="es-EC" dirty="0" smtClean="0">
-                <a:solidFill>
-                  <a:schemeClr val="tx1"/>
-                </a:solidFill>
-                <a:latin typeface="+mn-lt"/>
-                <a:ea typeface="Adobe Fangsong Std R" pitchFamily="18" charset="-128"/>
-              </a:rPr>
-              <a:t>NLTK (PLN)</a:t>
-            </a:r>
-          </a:p>
-          <a:p>
-            <a:pPr marL="285750" indent="-285750">
-              <a:buFont typeface="Arial" panose="020B0604020202020204" pitchFamily="34" charset="0"/>
-              <a:buChar char="•"/>
-            </a:pPr>
-            <a:endParaRPr lang="es-EC" dirty="0">
-              <a:solidFill>
-                <a:schemeClr val="tx1"/>
-              </a:solidFill>
-              <a:latin typeface="+mn-lt"/>
-              <a:ea typeface="Adobe Fangsong Std R" pitchFamily="18" charset="-128"/>
-            </a:endParaRPr>
-          </a:p>
-          <a:p>
-            <a:pPr marL="285750" indent="-285750">
-              <a:buFont typeface="Arial" panose="020B0604020202020204" pitchFamily="34" charset="0"/>
-              <a:buChar char="•"/>
-            </a:pPr>
-            <a:r>
-              <a:rPr lang="es-EC" dirty="0" err="1" smtClean="0">
-                <a:solidFill>
-                  <a:schemeClr val="tx1"/>
-                </a:solidFill>
-                <a:latin typeface="+mn-lt"/>
-                <a:ea typeface="Adobe Fangsong Std R" pitchFamily="18" charset="-128"/>
-              </a:rPr>
-              <a:t>TreeTagger</a:t>
-            </a:r>
-            <a:r>
-              <a:rPr lang="es-EC" dirty="0" smtClean="0">
-                <a:solidFill>
-                  <a:schemeClr val="tx1"/>
-                </a:solidFill>
-                <a:latin typeface="+mn-lt"/>
-                <a:ea typeface="Adobe Fangsong Std R" pitchFamily="18" charset="-128"/>
-              </a:rPr>
-              <a:t> </a:t>
-            </a:r>
-            <a:r>
-              <a:rPr lang="es-EC" dirty="0" smtClean="0">
-                <a:latin typeface="+mn-lt"/>
-                <a:ea typeface="Adobe Fangsong Std R" pitchFamily="18" charset="-128"/>
-              </a:rPr>
-              <a:t>(PLN)</a:t>
-            </a:r>
-          </a:p>
-          <a:p>
-            <a:pPr marL="285750" indent="-285750">
-              <a:buFont typeface="Arial" panose="020B0604020202020204" pitchFamily="34" charset="0"/>
-              <a:buChar char="•"/>
-            </a:pPr>
-            <a:endParaRPr lang="es-EC" dirty="0">
-              <a:latin typeface="+mn-lt"/>
-              <a:ea typeface="Adobe Fangsong Std R" pitchFamily="18" charset="-128"/>
-            </a:endParaRPr>
-          </a:p>
-          <a:p>
-            <a:pPr marL="285750" indent="-285750">
-              <a:buFont typeface="Arial" panose="020B0604020202020204" pitchFamily="34" charset="0"/>
-              <a:buChar char="•"/>
-            </a:pPr>
-            <a:endParaRPr lang="es-EC" dirty="0">
-              <a:latin typeface="+mn-lt"/>
-              <a:ea typeface="Adobe Fangsong Std R" pitchFamily="18" charset="-128"/>
-            </a:endParaRPr>
-          </a:p>
-          <a:p>
-            <a:pPr marL="285750" indent="-285750">
-              <a:buFont typeface="Arial" panose="020B0604020202020204" pitchFamily="34" charset="0"/>
-              <a:buChar char="•"/>
-            </a:pPr>
-            <a:endParaRPr lang="es-EC" dirty="0">
-              <a:latin typeface="+mn-lt"/>
-              <a:ea typeface="Adobe Fangsong Std R" pitchFamily="18" charset="-128"/>
-            </a:endParaRPr>
-          </a:p>
-        </p:txBody>
-      </p:sp>
-      <p:pic>
-        <p:nvPicPr>
-          <p:cNvPr id="3074" name="Picture 2"/>
-          <p:cNvPicPr>
-            <a:picLocks noChangeAspect="1" noChangeArrowheads="1"/>
-          </p:cNvPicPr>
-          <p:nvPr/>
-        </p:nvPicPr>
-        <p:blipFill>
-          <a:blip r:embed="rId2">
-            <a:extLst>
-              <a:ext uri="{28A0092B-C50C-407E-A947-70E740481C1C}">
-                <a14:useLocalDpi xmlns:a14="http://schemas.microsoft.com/office/drawing/2010/main" val="0"/>
-              </a:ext>
-            </a:extLst>
-          </a:blip>
-          <a:srcRect/>
-          <a:stretch>
-            <a:fillRect/>
-          </a:stretch>
-        </p:blipFill>
-        <p:spPr bwMode="auto">
-          <a:xfrm>
-            <a:off x="6804248" y="1268760"/>
-            <a:ext cx="1563241" cy="1825530"/>
-          </a:xfrm>
-          <a:prstGeom prst="rect">
-            <a:avLst/>
-          </a:prstGeom>
+            <a:off x="683568" y="1760588"/>
+            <a:ext cx="4320480" cy="1668412"/>
+          </a:xfrm>
           <a:noFill/>
           <a:ln>
             <a:noFill/>
           </a:ln>
-          <a:extLst>
-            <a:ext uri="{909E8E84-426E-40DD-AFC4-6F175D3DCCD1}">
-              <a14:hiddenFill xmlns:a14="http://schemas.microsoft.com/office/drawing/2010/main">
-                <a:solidFill>
-                  <a:schemeClr val="accent1"/>
-                </a:solidFill>
-              </a14:hiddenFill>
-            </a:ext>
-            <a:ext uri="{91240B29-F687-4F45-9708-019B960494DF}">
-              <a14:hiddenLine xmlns:a14="http://schemas.microsoft.com/office/drawing/2010/main" w="9525">
-                <a:solidFill>
-                  <a:schemeClr val="tx1"/>
-                </a:solidFill>
-                <a:miter lim="800000"/>
-                <a:headEnd/>
-                <a:tailEnd/>
-              </a14:hiddenLine>
-            </a:ext>
-          </a:extLst>
-        </p:spPr>
-      </p:pic>
+        </p:spPr>
+        <p:style>
+          <a:lnRef idx="2">
+            <a:schemeClr val="accent1"/>
+          </a:lnRef>
+          <a:fillRef idx="1">
+            <a:schemeClr val="lt1"/>
+          </a:fillRef>
+          <a:effectRef idx="0">
+            <a:schemeClr val="accent1"/>
+          </a:effectRef>
+          <a:fontRef idx="minor">
+            <a:schemeClr val="dk1"/>
+          </a:fontRef>
+        </p:style>
+        <p:txBody>
+          <a:bodyPr/>
+          <a:lstStyle/>
+          <a:p>
+            <a:pPr marL="285750" indent="-285750">
+              <a:buFont typeface="Arial" panose="020B0604020202020204" pitchFamily="34" charset="0"/>
+              <a:buChar char="•"/>
+            </a:pPr>
+            <a:r>
+              <a:rPr lang="es-EC" sz="1600" b="1" dirty="0" err="1" smtClean="0">
+                <a:solidFill>
+                  <a:schemeClr val="tx2"/>
+                </a:solidFill>
+                <a:latin typeface="Adobe Gothic Std B" pitchFamily="34" charset="-128"/>
+                <a:ea typeface="Adobe Gothic Std B" pitchFamily="34" charset="-128"/>
+              </a:rPr>
+              <a:t>Flask</a:t>
+            </a:r>
+            <a:r>
+              <a:rPr lang="es-EC" sz="1600" b="1" dirty="0" smtClean="0">
+                <a:solidFill>
+                  <a:schemeClr val="tx2"/>
+                </a:solidFill>
+                <a:latin typeface="Adobe Gothic Std B" pitchFamily="34" charset="-128"/>
+                <a:ea typeface="Adobe Gothic Std B" pitchFamily="34" charset="-128"/>
+              </a:rPr>
+              <a:t> </a:t>
+            </a:r>
+            <a:r>
+              <a:rPr lang="es-EC" sz="1600" b="1" dirty="0" smtClean="0">
+                <a:solidFill>
+                  <a:schemeClr val="accent6">
+                    <a:lumMod val="75000"/>
+                  </a:schemeClr>
+                </a:solidFill>
+                <a:latin typeface="Adobe Gothic Std B" pitchFamily="34" charset="-128"/>
+                <a:ea typeface="Adobe Gothic Std B" pitchFamily="34" charset="-128"/>
+              </a:rPr>
+              <a:t>(WS</a:t>
+            </a:r>
+            <a:r>
+              <a:rPr lang="es-EC" sz="1600" b="1" dirty="0" smtClean="0">
+                <a:solidFill>
+                  <a:schemeClr val="accent6">
+                    <a:lumMod val="75000"/>
+                  </a:schemeClr>
+                </a:solidFill>
+                <a:latin typeface="Adobe Gothic Std B" pitchFamily="34" charset="-128"/>
+                <a:ea typeface="Adobe Gothic Std B" pitchFamily="34" charset="-128"/>
+              </a:rPr>
+              <a:t>)</a:t>
+            </a:r>
+            <a:endParaRPr lang="es-EC" sz="1600" b="1" dirty="0" smtClean="0">
+              <a:solidFill>
+                <a:schemeClr val="accent6">
+                  <a:lumMod val="75000"/>
+                </a:schemeClr>
+              </a:solidFill>
+              <a:latin typeface="Adobe Gothic Std B" pitchFamily="34" charset="-128"/>
+              <a:ea typeface="Adobe Gothic Std B" pitchFamily="34" charset="-128"/>
+            </a:endParaRPr>
+          </a:p>
+          <a:p>
+            <a:pPr marL="285750" indent="-285750">
+              <a:buFont typeface="Arial" panose="020B0604020202020204" pitchFamily="34" charset="0"/>
+              <a:buChar char="•"/>
+            </a:pPr>
+            <a:r>
+              <a:rPr lang="es-EC" sz="1600" b="1" dirty="0" err="1" smtClean="0">
+                <a:solidFill>
+                  <a:schemeClr val="tx2"/>
+                </a:solidFill>
+                <a:latin typeface="Adobe Gothic Std B" pitchFamily="34" charset="-128"/>
+                <a:ea typeface="Adobe Gothic Std B" pitchFamily="34" charset="-128"/>
+              </a:rPr>
+              <a:t>SPARQLWrapper</a:t>
+            </a:r>
+            <a:r>
+              <a:rPr lang="es-EC" sz="1600" b="1" dirty="0" smtClean="0">
+                <a:solidFill>
+                  <a:schemeClr val="accent6">
+                    <a:lumMod val="75000"/>
+                  </a:schemeClr>
+                </a:solidFill>
+                <a:latin typeface="Adobe Gothic Std B" pitchFamily="34" charset="-128"/>
+                <a:ea typeface="Adobe Gothic Std B" pitchFamily="34" charset="-128"/>
+              </a:rPr>
+              <a:t> (Consulta </a:t>
+            </a:r>
+            <a:r>
+              <a:rPr lang="es-EC" sz="1600" b="1" dirty="0" err="1" smtClean="0">
+                <a:solidFill>
+                  <a:schemeClr val="accent6">
+                    <a:lumMod val="75000"/>
+                  </a:schemeClr>
+                </a:solidFill>
+                <a:latin typeface="Adobe Gothic Std B" pitchFamily="34" charset="-128"/>
+                <a:ea typeface="Adobe Gothic Std B" pitchFamily="34" charset="-128"/>
+              </a:rPr>
+              <a:t>DBpedia</a:t>
+            </a:r>
+            <a:r>
+              <a:rPr lang="es-EC" sz="1600" b="1" dirty="0" smtClean="0">
+                <a:solidFill>
+                  <a:schemeClr val="accent6">
+                    <a:lumMod val="75000"/>
+                  </a:schemeClr>
+                </a:solidFill>
+                <a:latin typeface="Adobe Gothic Std B" pitchFamily="34" charset="-128"/>
+                <a:ea typeface="Adobe Gothic Std B" pitchFamily="34" charset="-128"/>
+              </a:rPr>
+              <a:t>)</a:t>
+            </a:r>
+          </a:p>
+          <a:p>
+            <a:pPr marL="285750" indent="-285750">
+              <a:buFont typeface="Arial" panose="020B0604020202020204" pitchFamily="34" charset="0"/>
+              <a:buChar char="•"/>
+            </a:pPr>
+            <a:r>
+              <a:rPr lang="es-EC" sz="1600" b="1" dirty="0" smtClean="0">
+                <a:solidFill>
+                  <a:schemeClr val="tx2"/>
+                </a:solidFill>
+                <a:latin typeface="Adobe Gothic Std B" pitchFamily="34" charset="-128"/>
+                <a:ea typeface="Adobe Gothic Std B" pitchFamily="34" charset="-128"/>
+              </a:rPr>
+              <a:t>NLTK</a:t>
+            </a:r>
+            <a:r>
+              <a:rPr lang="es-EC" sz="1600" b="1" dirty="0" smtClean="0">
+                <a:solidFill>
+                  <a:schemeClr val="accent6">
+                    <a:lumMod val="75000"/>
+                  </a:schemeClr>
+                </a:solidFill>
+                <a:latin typeface="Adobe Gothic Std B" pitchFamily="34" charset="-128"/>
+                <a:ea typeface="Adobe Gothic Std B" pitchFamily="34" charset="-128"/>
+              </a:rPr>
+              <a:t> </a:t>
+            </a:r>
+            <a:r>
+              <a:rPr lang="es-EC" sz="1600" b="1" dirty="0" smtClean="0">
+                <a:solidFill>
+                  <a:schemeClr val="accent6">
+                    <a:lumMod val="75000"/>
+                  </a:schemeClr>
+                </a:solidFill>
+                <a:latin typeface="Adobe Gothic Std B" pitchFamily="34" charset="-128"/>
+                <a:ea typeface="Adobe Gothic Std B" pitchFamily="34" charset="-128"/>
+              </a:rPr>
+              <a:t>(PLN)</a:t>
+            </a:r>
+          </a:p>
+          <a:p>
+            <a:pPr marL="285750" indent="-285750">
+              <a:buFont typeface="Arial" panose="020B0604020202020204" pitchFamily="34" charset="0"/>
+              <a:buChar char="•"/>
+            </a:pPr>
+            <a:r>
+              <a:rPr lang="es-EC" sz="1600" b="1" dirty="0" err="1" smtClean="0">
+                <a:solidFill>
+                  <a:schemeClr val="tx2"/>
+                </a:solidFill>
+                <a:latin typeface="Adobe Gothic Std B" pitchFamily="34" charset="-128"/>
+                <a:ea typeface="Adobe Gothic Std B" pitchFamily="34" charset="-128"/>
+              </a:rPr>
+              <a:t>TreeTagger</a:t>
+            </a:r>
+            <a:r>
+              <a:rPr lang="es-EC" sz="1600" b="1" dirty="0" smtClean="0">
+                <a:solidFill>
+                  <a:schemeClr val="tx2"/>
+                </a:solidFill>
+                <a:latin typeface="Adobe Gothic Std B" pitchFamily="34" charset="-128"/>
+                <a:ea typeface="Adobe Gothic Std B" pitchFamily="34" charset="-128"/>
+              </a:rPr>
+              <a:t> </a:t>
+            </a:r>
+            <a:r>
+              <a:rPr lang="es-EC" sz="1600" b="1" dirty="0" smtClean="0">
+                <a:solidFill>
+                  <a:schemeClr val="accent6">
+                    <a:lumMod val="75000"/>
+                  </a:schemeClr>
+                </a:solidFill>
+                <a:latin typeface="Adobe Gothic Std B" pitchFamily="34" charset="-128"/>
+                <a:ea typeface="Adobe Gothic Std B" pitchFamily="34" charset="-128"/>
+              </a:rPr>
+              <a:t>(PLN</a:t>
+            </a:r>
+            <a:r>
+              <a:rPr lang="es-EC" sz="1600" b="1" dirty="0" smtClean="0">
+                <a:solidFill>
+                  <a:schemeClr val="accent6">
+                    <a:lumMod val="75000"/>
+                  </a:schemeClr>
+                </a:solidFill>
+                <a:latin typeface="Adobe Gothic Std B" pitchFamily="34" charset="-128"/>
+                <a:ea typeface="Adobe Gothic Std B" pitchFamily="34" charset="-128"/>
+              </a:rPr>
+              <a:t>)</a:t>
+            </a:r>
+            <a:endParaRPr lang="es-EC" sz="1600" b="1" dirty="0">
+              <a:solidFill>
+                <a:schemeClr val="accent6">
+                  <a:lumMod val="75000"/>
+                </a:schemeClr>
+              </a:solidFill>
+              <a:latin typeface="Adobe Gothic Std B" pitchFamily="34" charset="-128"/>
+              <a:ea typeface="Adobe Gothic Std B" pitchFamily="34" charset="-128"/>
+            </a:endParaRPr>
+          </a:p>
+        </p:txBody>
+      </p:sp>
       <p:pic>
         <p:nvPicPr>
-          <p:cNvPr id="3075" name="Picture 3" descr="C:\Users\fabricio\Desktop\tesis\Imagenes\imges\logo.png"/>
+          <p:cNvPr id="3074" name="Picture 2"/>
           <p:cNvPicPr>
             <a:picLocks noChangeAspect="1" noChangeArrowheads="1"/>
           </p:cNvPicPr>
@@ -12792,47 +13383,8 @@
         </p:blipFill>
         <p:spPr bwMode="auto">
           <a:xfrm>
-            <a:off x="5804452" y="1412776"/>
-            <a:ext cx="1999591" cy="1196287"/>
-          </a:xfrm>
-          <a:prstGeom prst="rect">
-            <a:avLst/>
-          </a:prstGeom>
-          <a:noFill/>
-          <a:extLst>
-            <a:ext uri="{909E8E84-426E-40DD-AFC4-6F175D3DCCD1}">
-              <a14:hiddenFill xmlns:a14="http://schemas.microsoft.com/office/drawing/2010/main">
-                <a:solidFill>
-                  <a:srgbClr val="FFFFFF"/>
-                </a:solidFill>
-              </a14:hiddenFill>
-            </a:ext>
-          </a:extLst>
-        </p:spPr>
-      </p:pic>
-      <p:pic>
-        <p:nvPicPr>
-          <p:cNvPr id="3076" name="Picture 4"/>
-          <p:cNvPicPr>
-            <a:picLocks noChangeAspect="1" noChangeArrowheads="1"/>
-          </p:cNvPicPr>
-          <p:nvPr/>
-        </p:nvPicPr>
-        <p:blipFill rotWithShape="1">
-          <a:blip r:embed="rId4" cstate="print">
-            <a:extLst>
-              <a:ext uri="{28A0092B-C50C-407E-A947-70E740481C1C}">
-                <a14:useLocalDpi xmlns:a14="http://schemas.microsoft.com/office/drawing/2010/main" val="0"/>
-              </a:ext>
-            </a:extLst>
-          </a:blip>
-          <a:srcRect b="4542"/>
-          <a:stretch/>
-        </p:blipFill>
-        <p:spPr bwMode="auto">
-          <a:xfrm>
-            <a:off x="3608207" y="3356992"/>
-            <a:ext cx="4866915" cy="2612008"/>
+            <a:off x="6075852" y="1603470"/>
+            <a:ext cx="1563241" cy="1825530"/>
           </a:xfrm>
           <a:prstGeom prst="rect">
             <a:avLst/>
@@ -12858,6 +13410,47 @@
                 <a:headEnd/>
                 <a:tailEnd/>
               </a14:hiddenLine>
+            </a:ext>
+          </a:extLst>
+        </p:spPr>
+      </p:pic>
+      <p:pic>
+        <p:nvPicPr>
+          <p:cNvPr id="3075" name="Picture 3" descr="C:\Users\fabricio\Desktop\tesis\Imagenes\imges\logo.png"/>
+          <p:cNvPicPr>
+            <a:picLocks noChangeAspect="1" noChangeArrowheads="1"/>
+          </p:cNvPicPr>
+          <p:nvPr/>
+        </p:nvPicPr>
+        <p:blipFill>
+          <a:blip r:embed="rId4">
+            <a:extLst>
+              <a:ext uri="{28A0092B-C50C-407E-A947-70E740481C1C}">
+                <a14:useLocalDpi xmlns:a14="http://schemas.microsoft.com/office/drawing/2010/main" val="0"/>
+              </a:ext>
+            </a:extLst>
+          </a:blip>
+          <a:srcRect/>
+          <a:stretch>
+            <a:fillRect/>
+          </a:stretch>
+        </p:blipFill>
+        <p:spPr bwMode="auto">
+          <a:xfrm>
+            <a:off x="5076056" y="1747486"/>
+            <a:ext cx="1999591" cy="1196287"/>
+          </a:xfrm>
+          <a:prstGeom prst="rect">
+            <a:avLst/>
+          </a:prstGeom>
+          <a:noFill/>
+          <a:extLst>
+            <a:ext uri="{909E8E84-426E-40DD-AFC4-6F175D3DCCD1}">
+              <a14:hiddenFill xmlns:a14="http://schemas.microsoft.com/office/drawing/2010/main">
+                <a:solidFill>
+                  <a:srgbClr val="FFFFFF"/>
+                </a:solidFill>
+              </a14:hiddenFill>
             </a:ext>
           </a:extLst>
         </p:spPr>
@@ -12872,6 +13465,13 @@
   <p:clrMapOvr>
     <a:masterClrMapping/>
   </p:clrMapOvr>
+  <p:timing>
+    <p:tnLst>
+      <p:par>
+        <p:cTn id="1" dur="indefinite" restart="never" nodeType="tmRoot"/>
+      </p:par>
+    </p:tnLst>
+  </p:timing>
 </p:sld>
 </file>
 
@@ -12894,6 +13494,487 @@
       </p:grpSpPr>
       <p:sp>
         <p:nvSpPr>
+          <p:cNvPr id="4" name="2 Subtítulo"/>
+          <p:cNvSpPr txBox="1">
+            <a:spLocks/>
+          </p:cNvSpPr>
+          <p:nvPr/>
+        </p:nvSpPr>
+        <p:spPr>
+          <a:xfrm>
+            <a:off x="2404830" y="5589240"/>
+            <a:ext cx="4608512" cy="444276"/>
+          </a:xfrm>
+          <a:prstGeom prst="rect">
+            <a:avLst/>
+          </a:prstGeom>
+          <a:noFill/>
+          <a:ln w="25400" cap="flat" cmpd="sng" algn="ctr">
+            <a:noFill/>
+            <a:prstDash val="solid"/>
+          </a:ln>
+        </p:spPr>
+        <p:style>
+          <a:lnRef idx="2">
+            <a:schemeClr val="accent1"/>
+          </a:lnRef>
+          <a:fillRef idx="1">
+            <a:schemeClr val="lt1"/>
+          </a:fillRef>
+          <a:effectRef idx="0">
+            <a:schemeClr val="accent1"/>
+          </a:effectRef>
+          <a:fontRef idx="minor">
+            <a:schemeClr val="dk1"/>
+          </a:fontRef>
+        </p:style>
+        <p:txBody>
+          <a:bodyPr wrap="none" lIns="0" tIns="0" rIns="0" bIns="0" anchor="ctr"/>
+          <a:lstStyle>
+            <a:lvl1pPr>
+              <a:defRPr>
+                <a:solidFill>
+                  <a:schemeClr val="dk1"/>
+                </a:solidFill>
+                <a:latin typeface="+mn-lt"/>
+                <a:ea typeface="+mn-ea"/>
+                <a:cs typeface="+mn-cs"/>
+              </a:defRPr>
+            </a:lvl1pPr>
+            <a:lvl2pPr>
+              <a:defRPr>
+                <a:solidFill>
+                  <a:schemeClr val="dk1"/>
+                </a:solidFill>
+                <a:latin typeface="+mn-lt"/>
+                <a:ea typeface="+mn-ea"/>
+                <a:cs typeface="+mn-cs"/>
+              </a:defRPr>
+            </a:lvl2pPr>
+            <a:lvl3pPr>
+              <a:defRPr>
+                <a:solidFill>
+                  <a:schemeClr val="dk1"/>
+                </a:solidFill>
+                <a:latin typeface="+mn-lt"/>
+                <a:ea typeface="+mn-ea"/>
+                <a:cs typeface="+mn-cs"/>
+              </a:defRPr>
+            </a:lvl3pPr>
+            <a:lvl4pPr>
+              <a:defRPr>
+                <a:solidFill>
+                  <a:schemeClr val="dk1"/>
+                </a:solidFill>
+                <a:latin typeface="+mn-lt"/>
+                <a:ea typeface="+mn-ea"/>
+                <a:cs typeface="+mn-cs"/>
+              </a:defRPr>
+            </a:lvl4pPr>
+            <a:lvl5pPr>
+              <a:defRPr>
+                <a:solidFill>
+                  <a:schemeClr val="dk1"/>
+                </a:solidFill>
+                <a:latin typeface="+mn-lt"/>
+                <a:ea typeface="+mn-ea"/>
+                <a:cs typeface="+mn-cs"/>
+              </a:defRPr>
+            </a:lvl5pPr>
+            <a:lvl6pPr>
+              <a:defRPr>
+                <a:solidFill>
+                  <a:schemeClr val="dk1"/>
+                </a:solidFill>
+                <a:latin typeface="+mn-lt"/>
+                <a:ea typeface="+mn-ea"/>
+                <a:cs typeface="+mn-cs"/>
+              </a:defRPr>
+            </a:lvl6pPr>
+            <a:lvl7pPr>
+              <a:defRPr>
+                <a:solidFill>
+                  <a:schemeClr val="dk1"/>
+                </a:solidFill>
+                <a:latin typeface="+mn-lt"/>
+                <a:ea typeface="+mn-ea"/>
+                <a:cs typeface="+mn-cs"/>
+              </a:defRPr>
+            </a:lvl7pPr>
+            <a:lvl8pPr>
+              <a:defRPr>
+                <a:solidFill>
+                  <a:schemeClr val="dk1"/>
+                </a:solidFill>
+                <a:latin typeface="+mn-lt"/>
+                <a:ea typeface="+mn-ea"/>
+                <a:cs typeface="+mn-cs"/>
+              </a:defRPr>
+            </a:lvl8pPr>
+            <a:lvl9pPr>
+              <a:defRPr>
+                <a:solidFill>
+                  <a:schemeClr val="dk1"/>
+                </a:solidFill>
+                <a:latin typeface="+mn-lt"/>
+                <a:ea typeface="+mn-ea"/>
+                <a:cs typeface="+mn-cs"/>
+              </a:defRPr>
+            </a:lvl9pPr>
+          </a:lstStyle>
+          <a:p>
+            <a:pPr algn="ctr"/>
+            <a:r>
+              <a:rPr lang="es-EC" sz="1600" b="1" kern="0" dirty="0" err="1" smtClean="0">
+                <a:solidFill>
+                  <a:schemeClr val="tx2"/>
+                </a:solidFill>
+                <a:latin typeface="Adobe Gothic Std B" pitchFamily="34" charset="-128"/>
+                <a:ea typeface="Adobe Gothic Std B" pitchFamily="34" charset="-128"/>
+              </a:rPr>
+              <a:t>Flask</a:t>
+            </a:r>
+            <a:r>
+              <a:rPr lang="es-EC" sz="1600" b="1" kern="0" dirty="0" smtClean="0">
+                <a:solidFill>
+                  <a:schemeClr val="tx2"/>
+                </a:solidFill>
+                <a:latin typeface="Adobe Gothic Std B" pitchFamily="34" charset="-128"/>
+                <a:ea typeface="Adobe Gothic Std B" pitchFamily="34" charset="-128"/>
+              </a:rPr>
+              <a:t> </a:t>
+            </a:r>
+            <a:r>
+              <a:rPr lang="es-EC" sz="1600" b="1" kern="0" dirty="0" smtClean="0">
+                <a:solidFill>
+                  <a:schemeClr val="accent6">
+                    <a:lumMod val="75000"/>
+                  </a:schemeClr>
+                </a:solidFill>
+                <a:latin typeface="Adobe Gothic Std B" pitchFamily="34" charset="-128"/>
+                <a:ea typeface="Adobe Gothic Std B" pitchFamily="34" charset="-128"/>
+              </a:rPr>
+              <a:t>(WS)</a:t>
+            </a:r>
+          </a:p>
+          <a:p>
+            <a:pPr algn="ctr"/>
+            <a:r>
+              <a:rPr lang="es-EC" sz="1600" b="1" kern="0" dirty="0" smtClean="0">
+                <a:solidFill>
+                  <a:schemeClr val="accent6">
+                    <a:lumMod val="75000"/>
+                  </a:schemeClr>
+                </a:solidFill>
+                <a:latin typeface="Adobe Gothic Std B" pitchFamily="34" charset="-128"/>
+                <a:ea typeface="Adobe Gothic Std B" pitchFamily="34" charset="-128"/>
+              </a:rPr>
+              <a:t>----------------------------------------------------------------------------------</a:t>
+            </a:r>
+          </a:p>
+        </p:txBody>
+      </p:sp>
+      <p:pic>
+        <p:nvPicPr>
+          <p:cNvPr id="5" name="Picture 2"/>
+          <p:cNvPicPr>
+            <a:picLocks noChangeAspect="1" noChangeArrowheads="1"/>
+          </p:cNvPicPr>
+          <p:nvPr/>
+        </p:nvPicPr>
+        <p:blipFill>
+          <a:blip r:embed="rId2">
+            <a:extLst>
+              <a:ext uri="{28A0092B-C50C-407E-A947-70E740481C1C}">
+                <a14:useLocalDpi xmlns:a14="http://schemas.microsoft.com/office/drawing/2010/main" val="0"/>
+              </a:ext>
+            </a:extLst>
+          </a:blip>
+          <a:srcRect/>
+          <a:stretch>
+            <a:fillRect/>
+          </a:stretch>
+        </p:blipFill>
+        <p:spPr bwMode="auto">
+          <a:xfrm>
+            <a:off x="1475656" y="1412776"/>
+            <a:ext cx="6520555" cy="4032448"/>
+          </a:xfrm>
+          <a:prstGeom prst="rect">
+            <a:avLst/>
+          </a:prstGeom>
+          <a:noFill/>
+          <a:ln>
+            <a:noFill/>
+          </a:ln>
+          <a:extLst>
+            <a:ext uri="{909E8E84-426E-40DD-AFC4-6F175D3DCCD1}">
+              <a14:hiddenFill xmlns:a14="http://schemas.microsoft.com/office/drawing/2010/main">
+                <a:solidFill>
+                  <a:schemeClr val="accent1"/>
+                </a:solidFill>
+              </a14:hiddenFill>
+            </a:ext>
+            <a:ext uri="{91240B29-F687-4F45-9708-019B960494DF}">
+              <a14:hiddenLine xmlns:a14="http://schemas.microsoft.com/office/drawing/2010/main" w="9525">
+                <a:solidFill>
+                  <a:schemeClr val="tx1"/>
+                </a:solidFill>
+                <a:miter lim="800000"/>
+                <a:headEnd/>
+                <a:tailEnd/>
+              </a14:hiddenLine>
+            </a:ext>
+          </a:extLst>
+        </p:spPr>
+      </p:pic>
+      <p:sp>
+        <p:nvSpPr>
+          <p:cNvPr id="6" name="5 Rectángulo"/>
+          <p:cNvSpPr/>
+          <p:nvPr/>
+        </p:nvSpPr>
+        <p:spPr>
+          <a:xfrm rot="16200000">
+            <a:off x="-391905" y="3352346"/>
+            <a:ext cx="3240360" cy="369332"/>
+          </a:xfrm>
+          <a:prstGeom prst="rect">
+            <a:avLst/>
+          </a:prstGeom>
+        </p:spPr>
+        <p:txBody>
+          <a:bodyPr wrap="square">
+            <a:spAutoFit/>
+          </a:bodyPr>
+          <a:lstStyle/>
+          <a:p>
+            <a:r>
+              <a:rPr lang="es-EC" b="1" kern="0" dirty="0">
+                <a:solidFill>
+                  <a:schemeClr val="tx2"/>
+                </a:solidFill>
+                <a:latin typeface="Adobe Gothic Std B" pitchFamily="34" charset="-128"/>
+                <a:ea typeface="Adobe Gothic Std B" pitchFamily="34" charset="-128"/>
+              </a:rPr>
+              <a:t>NLTK</a:t>
+            </a:r>
+            <a:r>
+              <a:rPr lang="es-EC" b="1" kern="0" dirty="0">
+                <a:solidFill>
+                  <a:schemeClr val="accent6">
+                    <a:lumMod val="75000"/>
+                  </a:schemeClr>
+                </a:solidFill>
+                <a:latin typeface="Adobe Gothic Std B" pitchFamily="34" charset="-128"/>
+                <a:ea typeface="Adobe Gothic Std B" pitchFamily="34" charset="-128"/>
+              </a:rPr>
+              <a:t> -</a:t>
+            </a:r>
+            <a:r>
+              <a:rPr lang="es-EC" b="1" kern="0" dirty="0" smtClean="0">
+                <a:solidFill>
+                  <a:schemeClr val="accent6">
+                    <a:lumMod val="75000"/>
+                  </a:schemeClr>
+                </a:solidFill>
+                <a:latin typeface="Adobe Gothic Std B" pitchFamily="34" charset="-128"/>
+                <a:ea typeface="Adobe Gothic Std B" pitchFamily="34" charset="-128"/>
+              </a:rPr>
+              <a:t>  </a:t>
+            </a:r>
+            <a:r>
+              <a:rPr lang="es-EC" b="1" kern="0" dirty="0" err="1" smtClean="0">
+                <a:solidFill>
+                  <a:schemeClr val="tx2"/>
+                </a:solidFill>
+                <a:latin typeface="Adobe Gothic Std B" pitchFamily="34" charset="-128"/>
+                <a:ea typeface="Adobe Gothic Std B" pitchFamily="34" charset="-128"/>
+              </a:rPr>
+              <a:t>TreeTagger</a:t>
+            </a:r>
+            <a:r>
+              <a:rPr lang="es-EC" b="1" kern="0" dirty="0" smtClean="0">
+                <a:solidFill>
+                  <a:schemeClr val="tx2"/>
+                </a:solidFill>
+                <a:latin typeface="Adobe Gothic Std B" pitchFamily="34" charset="-128"/>
+                <a:ea typeface="Adobe Gothic Std B" pitchFamily="34" charset="-128"/>
+              </a:rPr>
+              <a:t> </a:t>
+            </a:r>
+            <a:r>
+              <a:rPr lang="es-EC" b="1" kern="0" dirty="0">
+                <a:solidFill>
+                  <a:schemeClr val="accent6">
+                    <a:lumMod val="75000"/>
+                  </a:schemeClr>
+                </a:solidFill>
+                <a:latin typeface="Adobe Gothic Std B" pitchFamily="34" charset="-128"/>
+                <a:ea typeface="Adobe Gothic Std B" pitchFamily="34" charset="-128"/>
+              </a:rPr>
+              <a:t>(PLN)</a:t>
+            </a:r>
+            <a:endParaRPr lang="es-EC" b="1" kern="0" dirty="0">
+              <a:solidFill>
+                <a:schemeClr val="accent6">
+                  <a:lumMod val="75000"/>
+                </a:schemeClr>
+              </a:solidFill>
+              <a:latin typeface="Adobe Gothic Std B" pitchFamily="34" charset="-128"/>
+              <a:ea typeface="Adobe Gothic Std B" pitchFamily="34" charset="-128"/>
+            </a:endParaRPr>
+          </a:p>
+        </p:txBody>
+      </p:sp>
+      <p:sp>
+        <p:nvSpPr>
+          <p:cNvPr id="7" name="6 Rectángulo"/>
+          <p:cNvSpPr/>
+          <p:nvPr/>
+        </p:nvSpPr>
+        <p:spPr>
+          <a:xfrm>
+            <a:off x="4969229" y="1619508"/>
+            <a:ext cx="4139275" cy="369332"/>
+          </a:xfrm>
+          <a:prstGeom prst="rect">
+            <a:avLst/>
+          </a:prstGeom>
+        </p:spPr>
+        <p:txBody>
+          <a:bodyPr wrap="none">
+            <a:spAutoFit/>
+          </a:bodyPr>
+          <a:lstStyle/>
+          <a:p>
+            <a:r>
+              <a:rPr lang="es-EC" b="1" kern="0" dirty="0" err="1">
+                <a:solidFill>
+                  <a:schemeClr val="tx2"/>
+                </a:solidFill>
+                <a:latin typeface="Adobe Gothic Std B" pitchFamily="34" charset="-128"/>
+                <a:ea typeface="Adobe Gothic Std B" pitchFamily="34" charset="-128"/>
+              </a:rPr>
+              <a:t>SPARQLWrapper</a:t>
+            </a:r>
+            <a:r>
+              <a:rPr lang="es-EC" b="1" kern="0" dirty="0">
+                <a:solidFill>
+                  <a:schemeClr val="accent6">
+                    <a:lumMod val="75000"/>
+                  </a:schemeClr>
+                </a:solidFill>
+                <a:latin typeface="Adobe Gothic Std B" pitchFamily="34" charset="-128"/>
+                <a:ea typeface="Adobe Gothic Std B" pitchFamily="34" charset="-128"/>
+              </a:rPr>
+              <a:t> (Consulta </a:t>
+            </a:r>
+            <a:r>
+              <a:rPr lang="es-EC" b="1" kern="0" dirty="0" err="1">
+                <a:solidFill>
+                  <a:schemeClr val="accent6">
+                    <a:lumMod val="75000"/>
+                  </a:schemeClr>
+                </a:solidFill>
+                <a:latin typeface="Adobe Gothic Std B" pitchFamily="34" charset="-128"/>
+                <a:ea typeface="Adobe Gothic Std B" pitchFamily="34" charset="-128"/>
+              </a:rPr>
+              <a:t>DBpedia</a:t>
+            </a:r>
+            <a:r>
+              <a:rPr lang="es-EC" b="1" kern="0" dirty="0">
+                <a:solidFill>
+                  <a:schemeClr val="accent6">
+                    <a:lumMod val="75000"/>
+                  </a:schemeClr>
+                </a:solidFill>
+                <a:latin typeface="Adobe Gothic Std B" pitchFamily="34" charset="-128"/>
+                <a:ea typeface="Adobe Gothic Std B" pitchFamily="34" charset="-128"/>
+              </a:rPr>
+              <a:t>)</a:t>
+            </a:r>
+          </a:p>
+        </p:txBody>
+      </p:sp>
+      <p:sp>
+        <p:nvSpPr>
+          <p:cNvPr id="8" name="1 Título"/>
+          <p:cNvSpPr txBox="1">
+            <a:spLocks/>
+          </p:cNvSpPr>
+          <p:nvPr/>
+        </p:nvSpPr>
+        <p:spPr>
+          <a:xfrm>
+            <a:off x="495480" y="427080"/>
+            <a:ext cx="8442000" cy="595440"/>
+          </a:xfrm>
+          <a:prstGeom prst="rect">
+            <a:avLst/>
+          </a:prstGeom>
+        </p:spPr>
+        <p:txBody>
+          <a:bodyPr wrap="none" lIns="0" tIns="0" rIns="0" bIns="0" anchor="ctr"/>
+          <a:lstStyle/>
+          <a:p>
+            <a:r>
+              <a:rPr lang="en-US" sz="3200" b="1" kern="0" smtClean="0">
+                <a:solidFill>
+                  <a:srgbClr val="4E84C4"/>
+                </a:solidFill>
+                <a:latin typeface="Gill Sans"/>
+                <a:ea typeface="ＭＳ Ｐゴシック"/>
+              </a:rPr>
+              <a:t>Arquitectura – Logica del negocio </a:t>
+            </a:r>
+            <a:endParaRPr lang="es-EC" sz="3200" kern="0" dirty="0">
+              <a:solidFill>
+                <a:sysClr val="windowText" lastClr="000000"/>
+              </a:solidFill>
+            </a:endParaRPr>
+          </a:p>
+        </p:txBody>
+      </p:sp>
+    </p:spTree>
+    <p:extLst>
+      <p:ext uri="{BB962C8B-B14F-4D97-AF65-F5344CB8AC3E}">
+        <p14:creationId xmlns:p14="http://schemas.microsoft.com/office/powerpoint/2010/main" val="3374949220"/>
+      </p:ext>
+    </p:extLst>
+  </p:cSld>
+  <p:clrMapOvr>
+    <a:masterClrMapping/>
+  </p:clrMapOvr>
+  <p:timing>
+    <p:tnLst>
+      <p:par>
+        <p:cTn id="1" dur="indefinite" restart="never" nodeType="tmRoot"/>
+      </p:par>
+    </p:tnLst>
+  </p:timing>
+</p:sld>
+</file>
+
+<file path=ppt/slides/slide24.xml><?xml version="1.0" encoding="utf-8"?>
+<p:sld xmlns:a="http://schemas.openxmlformats.org/drawingml/2006/main" xmlns:r="http://schemas.openxmlformats.org/officeDocument/2006/relationships" xmlns:p="http://schemas.openxmlformats.org/presentationml/2006/main">
+  <p:cSld>
+    <p:spTree>
+      <p:nvGrpSpPr>
+        <p:cNvPr id="1" name=""/>
+        <p:cNvGrpSpPr/>
+        <p:nvPr/>
+      </p:nvGrpSpPr>
+      <p:grpSpPr>
+        <a:xfrm>
+          <a:off x="0" y="0"/>
+          <a:ext cx="0" cy="0"/>
+          <a:chOff x="0" y="0"/>
+          <a:chExt cx="0" cy="0"/>
+        </a:xfrm>
+      </p:grpSpPr>
+      <p:sp>
+        <p:nvSpPr>
           <p:cNvPr id="3" name="2 Subtítulo"/>
           <p:cNvSpPr>
             <a:spLocks noGrp="1"/>
@@ -13168,7 +14249,7 @@
           <a:lstStyle/>
           <a:p>
             <a:r>
-              <a:rPr lang="en-US" sz="3200" b="1" kern="0" smtClean="0">
+              <a:rPr lang="en-US" sz="3200" b="1" kern="0" dirty="0" err="1" smtClean="0">
                 <a:solidFill>
                   <a:srgbClr val="4E84C4"/>
                 </a:solidFill>
@@ -13176,6 +14257,26 @@
                 <a:ea typeface="ＭＳ Ｐゴシック"/>
               </a:rPr>
               <a:t>Arquitectura</a:t>
+            </a:r>
+            <a:r>
+              <a:rPr lang="en-US" sz="3200" b="1" kern="0" dirty="0" smtClean="0">
+                <a:solidFill>
+                  <a:srgbClr val="4E84C4"/>
+                </a:solidFill>
+                <a:latin typeface="Gill Sans"/>
+                <a:ea typeface="ＭＳ Ｐゴシック"/>
+              </a:rPr>
+              <a:t> – Dataset Local </a:t>
+            </a:r>
+            <a:r>
+              <a:rPr lang="en-US" sz="3200" b="1" kern="0" dirty="0" err="1" smtClean="0">
+                <a:solidFill>
+                  <a:srgbClr val="4E84C4"/>
+                </a:solidFill>
+                <a:latin typeface="Gill Sans"/>
+                <a:ea typeface="ＭＳ Ｐゴシック"/>
+              </a:rPr>
+              <a:t>DBpedia</a:t>
             </a:r>
             <a:endParaRPr lang="es-EC" sz="3200" kern="0" dirty="0">
               <a:solidFill>
@@ -13249,131 +14350,13 @@
   <p:clrMapOvr>
     <a:masterClrMapping/>
   </p:clrMapOvr>
-</p:sld>
-</file>
-
-<file path=ppt/slides/slide24.xml><?xml version="1.0" encoding="utf-8"?>
-<p:sld xmlns:a="http://schemas.openxmlformats.org/drawingml/2006/main" xmlns:r="http://schemas.openxmlformats.org/officeDocument/2006/relationships" xmlns:p="http://schemas.openxmlformats.org/presentationml/2006/main">
-  <p:cSld>
-    <p:spTree>
-      <p:nvGrpSpPr>
-        <p:cNvPr id="1" name=""/>
-        <p:cNvGrpSpPr/>
-        <p:nvPr/>
-      </p:nvGrpSpPr>
-      <p:grpSpPr>
-        <a:xfrm>
-          <a:off x="0" y="0"/>
-          <a:ext cx="0" cy="0"/>
-          <a:chOff x="0" y="0"/>
-          <a:chExt cx="0" cy="0"/>
-        </a:xfrm>
-      </p:grpSpPr>
-      <p:sp>
-        <p:nvSpPr>
-          <p:cNvPr id="285" name="TextShape 1"/>
-          <p:cNvSpPr txBox="1"/>
-          <p:nvPr/>
-        </p:nvSpPr>
-        <p:spPr>
-          <a:xfrm>
-            <a:off x="343080" y="274680"/>
-            <a:ext cx="8442000" cy="595080"/>
-          </a:xfrm>
-          <a:prstGeom prst="rect">
-            <a:avLst/>
-          </a:prstGeom>
-        </p:spPr>
-        <p:txBody>
-          <a:bodyPr anchor="ctr"/>
-          <a:lstStyle/>
-          <a:p>
-            <a:pPr>
-              <a:lnSpc>
-                <a:spcPct val="100000"/>
-              </a:lnSpc>
-            </a:pPr>
-            <a:r>
-              <a:rPr lang="en-US" sz="3200" b="1">
-                <a:solidFill>
-                  <a:srgbClr val="4E84C4"/>
-                </a:solidFill>
-                <a:latin typeface="Gill Sans"/>
-                <a:ea typeface="ＭＳ Ｐゴシック"/>
-              </a:rPr>
-              <a:t>Diagrama de Secuencia - Etiquetado </a:t>
-            </a:r>
-            <a:endParaRPr/>
-          </a:p>
-        </p:txBody>
-      </p:sp>
-      <p:sp>
-        <p:nvSpPr>
-          <p:cNvPr id="286" name="TextShape 2"/>
-          <p:cNvSpPr txBox="1"/>
-          <p:nvPr/>
-        </p:nvSpPr>
-        <p:spPr>
-          <a:xfrm>
-            <a:off x="8477280" y="6461280"/>
-            <a:ext cx="380520" cy="264600"/>
-          </a:xfrm>
-          <a:prstGeom prst="rect">
-            <a:avLst/>
-          </a:prstGeom>
-        </p:spPr>
-        <p:txBody>
-          <a:bodyPr/>
-          <a:lstStyle/>
-          <a:p>
-            <a:pPr>
-              <a:lnSpc>
-                <a:spcPct val="100000"/>
-              </a:lnSpc>
-            </a:pPr>
-            <a:fld id="{E5F4DFB1-0644-497E-BE78-DD618C07CFA5}" type="slidenum">
-              <a:rPr lang="es-EC" sz="900" b="1">
-                <a:solidFill>
-                  <a:srgbClr val="4E84C4"/>
-                </a:solidFill>
-                <a:latin typeface="Myriad Pro"/>
-                <a:ea typeface="ＭＳ Ｐゴシック"/>
-              </a:rPr>
-              <a:t>24</a:t>
-            </a:fld>
-            <a:endParaRPr/>
-          </a:p>
-        </p:txBody>
-      </p:sp>
-      <p:pic>
-        <p:nvPicPr>
-          <p:cNvPr id="287" name="Picture 2"/>
-          <p:cNvPicPr/>
-          <p:nvPr/>
-        </p:nvPicPr>
-        <p:blipFill rotWithShape="1">
-          <a:blip r:embed="rId2"/>
-          <a:srcRect l="25857" t="17225" r="24426" b="14933"/>
-          <a:stretch/>
-        </p:blipFill>
-        <p:spPr>
-          <a:xfrm>
-            <a:off x="565154" y="1412776"/>
-            <a:ext cx="7885610" cy="4823792"/>
-          </a:xfrm>
-          <a:prstGeom prst="rect">
-            <a:avLst/>
-          </a:prstGeom>
-        </p:spPr>
-      </p:pic>
-    </p:spTree>
-  </p:cSld>
-  <p:clrMapOvr>
-    <a:masterClrMapping/>
-  </p:clrMapOvr>
-  <p:transition>
-    <p:fade/>
-  </p:transition>
+  <p:timing>
+    <p:tnLst>
+      <p:par>
+        <p:cTn id="1" dur="indefinite" restart="never" nodeType="tmRoot"/>
+      </p:par>
+    </p:tnLst>
+  </p:timing>
 </p:sld>
 </file>
 
@@ -13396,7 +14379,7 @@
       </p:grpSpPr>
       <p:sp>
         <p:nvSpPr>
-          <p:cNvPr id="288" name="TextShape 1"/>
+          <p:cNvPr id="285" name="TextShape 1"/>
           <p:cNvSpPr txBox="1"/>
           <p:nvPr/>
         </p:nvSpPr>
@@ -13419,22 +14402,102 @@
               </a:lnSpc>
             </a:pPr>
             <a:r>
-              <a:rPr lang="en-US" sz="3200" b="1">
+              <a:rPr lang="en-US" sz="2400" b="1" dirty="0" err="1">
                 <a:solidFill>
                   <a:srgbClr val="4E84C4"/>
                 </a:solidFill>
                 <a:latin typeface="Gill Sans"/>
                 <a:ea typeface="ＭＳ Ｐゴシック"/>
               </a:rPr>
-              <a:t>Diagrama de Secuencia - Etiquetado </a:t>
-            </a:r>
-            <a:endParaRPr/>
-          </a:p>
-        </p:txBody>
-      </p:sp>
-      <p:sp>
-        <p:nvSpPr>
-          <p:cNvPr id="289" name="TextShape 2"/>
+              <a:t>Diagrama</a:t>
+            </a:r>
+            <a:r>
+              <a:rPr lang="en-US" sz="2400" b="1" dirty="0">
+                <a:solidFill>
+                  <a:srgbClr val="4E84C4"/>
+                </a:solidFill>
+                <a:latin typeface="Gill Sans"/>
+                <a:ea typeface="ＭＳ Ｐゴシック"/>
+              </a:rPr>
+              <a:t> de </a:t>
+            </a:r>
+            <a:r>
+              <a:rPr lang="en-US" sz="2400" b="1" dirty="0" err="1">
+                <a:solidFill>
+                  <a:srgbClr val="4E84C4"/>
+                </a:solidFill>
+                <a:latin typeface="Gill Sans"/>
+                <a:ea typeface="ＭＳ Ｐゴシック"/>
+              </a:rPr>
+              <a:t>Secuencia</a:t>
+            </a:r>
+            <a:r>
+              <a:rPr lang="en-US" sz="2400" b="1" dirty="0">
+                <a:solidFill>
+                  <a:srgbClr val="4E84C4"/>
+                </a:solidFill>
+                <a:latin typeface="Gill Sans"/>
+                <a:ea typeface="ＭＳ Ｐゴシック"/>
+              </a:rPr>
+              <a:t> </a:t>
+            </a:r>
+            <a:r>
+              <a:rPr lang="en-US" sz="2400" b="1" dirty="0" smtClean="0">
+                <a:solidFill>
+                  <a:srgbClr val="4E84C4"/>
+                </a:solidFill>
+                <a:latin typeface="Gill Sans"/>
+                <a:ea typeface="ＭＳ Ｐゴシック"/>
+              </a:rPr>
+              <a:t>– </a:t>
+            </a:r>
+            <a:r>
+              <a:rPr lang="en-US" sz="2400" b="1" dirty="0" err="1" smtClean="0">
+                <a:solidFill>
+                  <a:srgbClr val="4E84C4"/>
+                </a:solidFill>
+                <a:latin typeface="Gill Sans"/>
+                <a:ea typeface="ＭＳ Ｐゴシック"/>
+              </a:rPr>
+              <a:t>Etiquetado</a:t>
+            </a:r>
+            <a:r>
+              <a:rPr lang="en-US" sz="2400" b="1" dirty="0" smtClean="0">
+                <a:solidFill>
+                  <a:srgbClr val="4E84C4"/>
+                </a:solidFill>
+                <a:latin typeface="Gill Sans"/>
+                <a:ea typeface="ＭＳ Ｐゴシック"/>
+              </a:rPr>
+              <a:t>/</a:t>
+            </a:r>
+            <a:r>
+              <a:rPr lang="en-US" sz="2400" b="1" dirty="0" err="1" smtClean="0">
+                <a:solidFill>
+                  <a:srgbClr val="4E84C4"/>
+                </a:solidFill>
+                <a:latin typeface="Gill Sans"/>
+                <a:ea typeface="ＭＳ Ｐゴシック"/>
+              </a:rPr>
+              <a:t>Tokenización</a:t>
+            </a:r>
+            <a:r>
+              <a:rPr lang="en-US" sz="2400" b="1" dirty="0" smtClean="0">
+                <a:solidFill>
+                  <a:srgbClr val="4E84C4"/>
+                </a:solidFill>
+                <a:latin typeface="Gill Sans"/>
+                <a:ea typeface="ＭＳ Ｐゴシック"/>
+              </a:rPr>
+              <a:t> </a:t>
+            </a:r>
+            <a:endParaRPr sz="1400" dirty="0"/>
+          </a:p>
+        </p:txBody>
+      </p:sp>
+      <p:sp>
+        <p:nvSpPr>
+          <p:cNvPr id="286" name="TextShape 2"/>
           <p:cNvSpPr txBox="1"/>
           <p:nvPr/>
         </p:nvSpPr>
@@ -13456,7 +14519,7 @@
                 <a:spcPct val="100000"/>
               </a:lnSpc>
             </a:pPr>
-            <a:fld id="{220BEB53-FCAC-47B8-A460-241CF48EBC4B}" type="slidenum">
+            <a:fld id="{E5F4DFB1-0644-497E-BE78-DD618C07CFA5}" type="slidenum">
               <a:rPr lang="es-EC" sz="900" b="1">
                 <a:solidFill>
                   <a:srgbClr val="4E84C4"/>
@@ -13472,19 +14535,19 @@
       </p:sp>
       <p:pic>
         <p:nvPicPr>
-          <p:cNvPr id="290" name="Picture 2"/>
+          <p:cNvPr id="287" name="Picture 2"/>
           <p:cNvPicPr/>
           <p:nvPr/>
         </p:nvPicPr>
         <p:blipFill rotWithShape="1">
           <a:blip r:embed="rId2"/>
-          <a:srcRect l="23472" t="18913" r="21085" b="15131"/>
+          <a:srcRect l="25857" t="17225" r="24426" b="14933"/>
           <a:stretch/>
         </p:blipFill>
         <p:spPr>
           <a:xfrm>
-            <a:off x="807584" y="1334044"/>
-            <a:ext cx="7436824" cy="4903268"/>
+            <a:off x="565154" y="1412776"/>
+            <a:ext cx="7885610" cy="4823792"/>
           </a:xfrm>
           <a:prstGeom prst="rect">
             <a:avLst/>
@@ -13499,6 +14562,13 @@
   <p:transition>
     <p:fade/>
   </p:transition>
+  <p:timing>
+    <p:tnLst>
+      <p:par>
+        <p:cTn id="1" dur="indefinite" restart="never" nodeType="tmRoot"/>
+      </p:par>
+    </p:tnLst>
+  </p:timing>
 </p:sld>
 </file>
 
@@ -13521,7 +14591,7 @@
       </p:grpSpPr>
       <p:sp>
         <p:nvSpPr>
-          <p:cNvPr id="291" name="TextShape 1"/>
+          <p:cNvPr id="288" name="TextShape 1"/>
           <p:cNvSpPr txBox="1"/>
           <p:nvPr/>
         </p:nvSpPr>
@@ -13544,22 +14614,102 @@
               </a:lnSpc>
             </a:pPr>
             <a:r>
-              <a:rPr lang="en-US" sz="3200" b="1">
+              <a:rPr lang="en-US" sz="2000" b="1" dirty="0" err="1">
                 <a:solidFill>
                   <a:srgbClr val="4E84C4"/>
                 </a:solidFill>
                 <a:latin typeface="Gill Sans"/>
                 <a:ea typeface="ＭＳ Ｐゴシック"/>
               </a:rPr>
-              <a:t>Diagrama de Secuencia - Etiquetado </a:t>
-            </a:r>
-            <a:endParaRPr/>
-          </a:p>
-        </p:txBody>
-      </p:sp>
-      <p:sp>
-        <p:nvSpPr>
-          <p:cNvPr id="292" name="TextShape 2"/>
+              <a:t>Diagrama</a:t>
+            </a:r>
+            <a:r>
+              <a:rPr lang="en-US" sz="2000" b="1" dirty="0">
+                <a:solidFill>
+                  <a:srgbClr val="4E84C4"/>
+                </a:solidFill>
+                <a:latin typeface="Gill Sans"/>
+                <a:ea typeface="ＭＳ Ｐゴシック"/>
+              </a:rPr>
+              <a:t> de </a:t>
+            </a:r>
+            <a:r>
+              <a:rPr lang="en-US" sz="2000" b="1" dirty="0" err="1">
+                <a:solidFill>
+                  <a:srgbClr val="4E84C4"/>
+                </a:solidFill>
+                <a:latin typeface="Gill Sans"/>
+                <a:ea typeface="ＭＳ Ｐゴシック"/>
+              </a:rPr>
+              <a:t>Secuencia</a:t>
+            </a:r>
+            <a:r>
+              <a:rPr lang="en-US" sz="2000" b="1" dirty="0">
+                <a:solidFill>
+                  <a:srgbClr val="4E84C4"/>
+                </a:solidFill>
+                <a:latin typeface="Gill Sans"/>
+                <a:ea typeface="ＭＳ Ｐゴシック"/>
+              </a:rPr>
+              <a:t> </a:t>
+            </a:r>
+            <a:r>
+              <a:rPr lang="en-US" sz="2000" b="1" dirty="0" smtClean="0">
+                <a:solidFill>
+                  <a:srgbClr val="4E84C4"/>
+                </a:solidFill>
+                <a:latin typeface="Gill Sans"/>
+                <a:ea typeface="ＭＳ Ｐゴシック"/>
+              </a:rPr>
+              <a:t>– </a:t>
+            </a:r>
+            <a:r>
+              <a:rPr lang="en-US" sz="2000" b="1" dirty="0" err="1" smtClean="0">
+                <a:solidFill>
+                  <a:srgbClr val="4E84C4"/>
+                </a:solidFill>
+                <a:latin typeface="Gill Sans"/>
+                <a:ea typeface="ＭＳ Ｐゴシック"/>
+              </a:rPr>
+              <a:t>Extración</a:t>
+            </a:r>
+            <a:r>
+              <a:rPr lang="en-US" sz="2000" b="1" dirty="0" smtClean="0">
+                <a:solidFill>
+                  <a:srgbClr val="4E84C4"/>
+                </a:solidFill>
+                <a:latin typeface="Gill Sans"/>
+                <a:ea typeface="ＭＳ Ｐゴシック"/>
+              </a:rPr>
+              <a:t> de </a:t>
+            </a:r>
+            <a:r>
+              <a:rPr lang="en-US" sz="2000" b="1" dirty="0" err="1" smtClean="0">
+                <a:solidFill>
+                  <a:srgbClr val="4E84C4"/>
+                </a:solidFill>
+                <a:latin typeface="Gill Sans"/>
+                <a:ea typeface="ＭＳ Ｐゴシック"/>
+              </a:rPr>
+              <a:t>Entidads</a:t>
+            </a:r>
+            <a:r>
+              <a:rPr lang="en-US" sz="2000" b="1" dirty="0" smtClean="0">
+                <a:solidFill>
+                  <a:srgbClr val="4E84C4"/>
+                </a:solidFill>
+                <a:latin typeface="Gill Sans"/>
+                <a:ea typeface="ＭＳ Ｐゴシック"/>
+              </a:rPr>
+              <a:t> y Keywords</a:t>
+            </a:r>
+            <a:endParaRPr sz="1200" dirty="0"/>
+          </a:p>
+        </p:txBody>
+      </p:sp>
+      <p:sp>
+        <p:nvSpPr>
+          <p:cNvPr id="289" name="TextShape 2"/>
           <p:cNvSpPr txBox="1"/>
           <p:nvPr/>
         </p:nvSpPr>
@@ -13581,7 +14731,7 @@
                 <a:spcPct val="100000"/>
               </a:lnSpc>
             </a:pPr>
-            <a:fld id="{8EDD95CC-2380-4509-9815-22C1310AF1AF}" type="slidenum">
+            <a:fld id="{220BEB53-FCAC-47B8-A460-241CF48EBC4B}" type="slidenum">
               <a:rPr lang="es-EC" sz="900" b="1">
                 <a:solidFill>
                   <a:srgbClr val="4E84C4"/>
@@ -13597,19 +14747,19 @@
       </p:sp>
       <p:pic>
         <p:nvPicPr>
-          <p:cNvPr id="293" name="Picture 2"/>
+          <p:cNvPr id="290" name="Picture 2"/>
           <p:cNvPicPr/>
           <p:nvPr/>
         </p:nvPicPr>
         <p:blipFill rotWithShape="1">
           <a:blip r:embed="rId2"/>
-          <a:srcRect l="20033" t="16609" r="17633" b="10051"/>
+          <a:srcRect l="23472" t="18913" r="21085" b="15131"/>
           <a:stretch/>
         </p:blipFill>
         <p:spPr>
           <a:xfrm>
-            <a:off x="343080" y="1412776"/>
-            <a:ext cx="8134200" cy="4772124"/>
+            <a:off x="807584" y="1334044"/>
+            <a:ext cx="7436824" cy="4903268"/>
           </a:xfrm>
           <a:prstGeom prst="rect">
             <a:avLst/>
@@ -13624,6 +14774,13 @@
   <p:transition>
     <p:fade/>
   </p:transition>
+  <p:timing>
+    <p:tnLst>
+      <p:par>
+        <p:cTn id="1" dur="indefinite" restart="never" nodeType="tmRoot"/>
+      </p:par>
+    </p:tnLst>
+  </p:timing>
 </p:sld>
 </file>
 
@@ -13646,7 +14803,7 @@
       </p:grpSpPr>
       <p:sp>
         <p:nvSpPr>
-          <p:cNvPr id="294" name="TextShape 1"/>
+          <p:cNvPr id="291" name="TextShape 1"/>
           <p:cNvSpPr txBox="1"/>
           <p:nvPr/>
         </p:nvSpPr>
@@ -13669,29 +14826,79 @@
               </a:lnSpc>
             </a:pPr>
             <a:r>
-              <a:rPr lang="en-US" sz="3200" b="1">
+              <a:rPr lang="en-US" sz="3200" b="1" dirty="0" err="1">
                 <a:solidFill>
                   <a:srgbClr val="4E84C4"/>
                 </a:solidFill>
                 <a:latin typeface="Gill Sans"/>
                 <a:ea typeface="ＭＳ Ｐゴシック"/>
               </a:rPr>
-              <a:t>Principales problemas encontrados</a:t>
-            </a:r>
-            <a:endParaRPr/>
-          </a:p>
-        </p:txBody>
-      </p:sp>
-      <p:sp>
-        <p:nvSpPr>
-          <p:cNvPr id="295" name="TextShape 2"/>
+              <a:t>Diagrama</a:t>
+            </a:r>
+            <a:r>
+              <a:rPr lang="en-US" sz="3200" b="1" dirty="0">
+                <a:solidFill>
+                  <a:srgbClr val="4E84C4"/>
+                </a:solidFill>
+                <a:latin typeface="Gill Sans"/>
+                <a:ea typeface="ＭＳ Ｐゴシック"/>
+              </a:rPr>
+              <a:t> de </a:t>
+            </a:r>
+            <a:r>
+              <a:rPr lang="en-US" sz="3200" b="1" dirty="0" err="1">
+                <a:solidFill>
+                  <a:srgbClr val="4E84C4"/>
+                </a:solidFill>
+                <a:latin typeface="Gill Sans"/>
+                <a:ea typeface="ＭＳ Ｐゴシック"/>
+              </a:rPr>
+              <a:t>Secuencia</a:t>
+            </a:r>
+            <a:r>
+              <a:rPr lang="en-US" sz="3200" b="1" dirty="0">
+                <a:solidFill>
+                  <a:srgbClr val="4E84C4"/>
+                </a:solidFill>
+                <a:latin typeface="Gill Sans"/>
+                <a:ea typeface="ＭＳ Ｐゴシック"/>
+              </a:rPr>
+              <a:t> - </a:t>
+            </a:r>
+            <a:r>
+              <a:rPr lang="en-US" sz="3200" b="1" dirty="0" err="1" smtClean="0">
+                <a:solidFill>
+                  <a:srgbClr val="4E84C4"/>
+                </a:solidFill>
+                <a:latin typeface="Gill Sans"/>
+                <a:ea typeface="ＭＳ Ｐゴシック"/>
+              </a:rPr>
+              <a:t>Desambiguación</a:t>
+            </a:r>
+            <a:r>
+              <a:rPr lang="en-US" sz="3200" b="1" dirty="0" smtClean="0">
+                <a:solidFill>
+                  <a:srgbClr val="4E84C4"/>
+                </a:solidFill>
+                <a:latin typeface="Gill Sans"/>
+                <a:ea typeface="ＭＳ Ｐゴシック"/>
+              </a:rPr>
+              <a:t> </a:t>
+            </a:r>
+            <a:endParaRPr dirty="0"/>
+          </a:p>
+        </p:txBody>
+      </p:sp>
+      <p:sp>
+        <p:nvSpPr>
+          <p:cNvPr id="292" name="TextShape 2"/>
           <p:cNvSpPr txBox="1"/>
           <p:nvPr/>
         </p:nvSpPr>
         <p:spPr>
           <a:xfrm>
-            <a:off x="343080" y="1175760"/>
-            <a:ext cx="8442000" cy="4525560"/>
+            <a:off x="8477280" y="6461280"/>
+            <a:ext cx="380520" cy="264600"/>
           </a:xfrm>
           <a:prstGeom prst="rect">
             <a:avLst/>
@@ -13705,64 +14912,8 @@
               <a:lnSpc>
                 <a:spcPct val="100000"/>
               </a:lnSpc>
-              <a:buFont typeface="Wingdings" charset="2"/>
-              <a:buChar char=""/>
-            </a:pPr>
-            <a:r>
-              <a:rPr lang="en-US" sz="2800">
-                <a:solidFill>
-                  <a:srgbClr val="000000"/>
-                </a:solidFill>
-                <a:latin typeface="Gill Sans"/>
-                <a:ea typeface="ＭＳ Ｐゴシック"/>
-              </a:rPr>
-              <a:t>Desconocimiento de las tecnologías necesarias para el desarrollo del sistema (Tecnologías)</a:t>
-            </a:r>
-            <a:endParaRPr/>
-          </a:p>
-          <a:p>
-            <a:pPr>
-              <a:lnSpc>
-                <a:spcPct val="100000"/>
-              </a:lnSpc>
-            </a:pPr>
-            <a:endParaRPr/>
-          </a:p>
-          <a:p>
-            <a:pPr>
-              <a:lnSpc>
-                <a:spcPct val="100000"/>
-              </a:lnSpc>
-            </a:pPr>
-            <a:endParaRPr/>
-          </a:p>
-        </p:txBody>
-      </p:sp>
-      <p:sp>
-        <p:nvSpPr>
-          <p:cNvPr id="296" name="TextShape 3"/>
-          <p:cNvSpPr txBox="1"/>
-          <p:nvPr/>
-        </p:nvSpPr>
-        <p:spPr>
-          <a:xfrm>
-            <a:off x="8477280" y="6461280"/>
-            <a:ext cx="380520" cy="264600"/>
-          </a:xfrm>
-          <a:prstGeom prst="rect">
-            <a:avLst/>
-          </a:prstGeom>
-        </p:spPr>
-        <p:txBody>
-          <a:bodyPr/>
-          <a:lstStyle/>
-          <a:p>
-            <a:pPr>
-              <a:lnSpc>
-                <a:spcPct val="100000"/>
-              </a:lnSpc>
-            </a:pPr>
-            <a:fld id="{A5ACB03E-8A80-492A-ACEC-A8C9688E16E9}" type="slidenum">
+            </a:pPr>
+            <a:fld id="{8EDD95CC-2380-4509-9815-22C1310AF1AF}" type="slidenum">
               <a:rPr lang="es-EC" sz="900" b="1">
                 <a:solidFill>
                   <a:srgbClr val="4E84C4"/>
@@ -13776,6 +14927,27 @@
           </a:p>
         </p:txBody>
       </p:sp>
+      <p:pic>
+        <p:nvPicPr>
+          <p:cNvPr id="293" name="Picture 2"/>
+          <p:cNvPicPr/>
+          <p:nvPr/>
+        </p:nvPicPr>
+        <p:blipFill rotWithShape="1">
+          <a:blip r:embed="rId2"/>
+          <a:srcRect l="20033" t="16609" r="17633" b="10051"/>
+          <a:stretch/>
+        </p:blipFill>
+        <p:spPr>
+          <a:xfrm>
+            <a:off x="343080" y="1412776"/>
+            <a:ext cx="8134200" cy="4772124"/>
+          </a:xfrm>
+          <a:prstGeom prst="rect">
+            <a:avLst/>
+          </a:prstGeom>
+        </p:spPr>
+      </p:pic>
     </p:spTree>
   </p:cSld>
   <p:clrMapOvr>
@@ -13784,6 +14956,13 @@
   <p:transition>
     <p:fade/>
   </p:transition>
+  <p:timing>
+    <p:tnLst>
+      <p:par>
+        <p:cTn id="1" dur="indefinite" restart="never" nodeType="tmRoot"/>
+      </p:par>
+    </p:tnLst>
+  </p:timing>
 </p:sld>
 </file>
 
@@ -13806,7 +14985,164 @@
       </p:grpSpPr>
       <p:sp>
         <p:nvSpPr>
-          <p:cNvPr id="297" name="TextShape 1"/>
+          <p:cNvPr id="3" name="2 Subtítulo"/>
+          <p:cNvSpPr>
+            <a:spLocks noGrp="1"/>
+          </p:cNvSpPr>
+          <p:nvPr>
+            <p:ph type="subTitle"/>
+          </p:nvPr>
+        </p:nvSpPr>
+        <p:spPr/>
+        <p:txBody>
+          <a:bodyPr/>
+          <a:lstStyle/>
+          <a:p>
+            <a:pPr marL="342900" lvl="6" indent="-342900">
+              <a:lnSpc>
+                <a:spcPct val="200000"/>
+              </a:lnSpc>
+              <a:buFont typeface="Arial" panose="020B0604020202020204" pitchFamily="34" charset="0"/>
+              <a:buChar char="•"/>
+            </a:pPr>
+            <a:r>
+              <a:rPr lang="es-EC" dirty="0" smtClean="0"/>
+              <a:t>WS - </a:t>
+            </a:r>
+            <a:r>
+              <a:rPr lang="es-EC" dirty="0" err="1" smtClean="0">
+                <a:latin typeface="Adobe Gothic Std B" pitchFamily="34" charset="-128"/>
+                <a:ea typeface="Adobe Gothic Std B" pitchFamily="34" charset="-128"/>
+              </a:rPr>
+              <a:t>Tokenización</a:t>
+            </a:r>
+            <a:r>
+              <a:rPr lang="es-EC" dirty="0" smtClean="0">
+                <a:latin typeface="Adobe Gothic Std B" pitchFamily="34" charset="-128"/>
+                <a:ea typeface="Adobe Gothic Std B" pitchFamily="34" charset="-128"/>
+              </a:rPr>
+              <a:t> de Sentencias</a:t>
+            </a:r>
+          </a:p>
+          <a:p>
+            <a:pPr marL="342900" lvl="3" indent="-342900">
+              <a:lnSpc>
+                <a:spcPct val="200000"/>
+              </a:lnSpc>
+              <a:buFont typeface="Arial" panose="020B0604020202020204" pitchFamily="34" charset="0"/>
+              <a:buChar char="•"/>
+            </a:pPr>
+            <a:r>
+              <a:rPr lang="es-EC" dirty="0" smtClean="0">
+                <a:latin typeface="Adobe Gothic Std B" pitchFamily="34" charset="-128"/>
+                <a:ea typeface="Adobe Gothic Std B" pitchFamily="34" charset="-128"/>
+              </a:rPr>
+              <a:t>WS - </a:t>
+            </a:r>
+            <a:r>
+              <a:rPr lang="es-EC" dirty="0" err="1" smtClean="0">
+                <a:latin typeface="Adobe Gothic Std B" pitchFamily="34" charset="-128"/>
+                <a:ea typeface="Adobe Gothic Std B" pitchFamily="34" charset="-128"/>
+              </a:rPr>
+              <a:t>Tokenización</a:t>
+            </a:r>
+            <a:r>
+              <a:rPr lang="es-EC" dirty="0" smtClean="0">
+                <a:latin typeface="Adobe Gothic Std B" pitchFamily="34" charset="-128"/>
+                <a:ea typeface="Adobe Gothic Std B" pitchFamily="34" charset="-128"/>
+              </a:rPr>
+              <a:t> de Palabras</a:t>
+            </a:r>
+          </a:p>
+          <a:p>
+            <a:pPr marL="342900" lvl="3" indent="-342900">
+              <a:lnSpc>
+                <a:spcPct val="200000"/>
+              </a:lnSpc>
+              <a:buFont typeface="Arial" panose="020B0604020202020204" pitchFamily="34" charset="0"/>
+              <a:buChar char="•"/>
+            </a:pPr>
+            <a:r>
+              <a:rPr lang="es-EC" dirty="0" smtClean="0">
+                <a:latin typeface="Adobe Gothic Std B" pitchFamily="34" charset="-128"/>
+                <a:ea typeface="Adobe Gothic Std B" pitchFamily="34" charset="-128"/>
+              </a:rPr>
+              <a:t>WS - </a:t>
+            </a:r>
+            <a:r>
+              <a:rPr lang="es-EC" dirty="0" smtClean="0">
+                <a:latin typeface="Adobe Gothic Std B" pitchFamily="34" charset="-128"/>
+                <a:ea typeface="Adobe Gothic Std B" pitchFamily="34" charset="-128"/>
+              </a:rPr>
+              <a:t>Etiquetado</a:t>
+            </a:r>
+          </a:p>
+          <a:p>
+            <a:pPr marL="342900" lvl="3" indent="-342900">
+              <a:lnSpc>
+                <a:spcPct val="200000"/>
+              </a:lnSpc>
+              <a:buFont typeface="Arial" panose="020B0604020202020204" pitchFamily="34" charset="0"/>
+              <a:buChar char="•"/>
+            </a:pPr>
+            <a:r>
+              <a:rPr lang="es-EC" dirty="0" smtClean="0">
+                <a:latin typeface="Adobe Gothic Std B" pitchFamily="34" charset="-128"/>
+                <a:ea typeface="Adobe Gothic Std B" pitchFamily="34" charset="-128"/>
+              </a:rPr>
+              <a:t>WS - </a:t>
+            </a:r>
+            <a:r>
+              <a:rPr lang="es-EC" dirty="0" smtClean="0">
+                <a:latin typeface="Adobe Gothic Std B" pitchFamily="34" charset="-128"/>
+                <a:ea typeface="Adobe Gothic Std B" pitchFamily="34" charset="-128"/>
+              </a:rPr>
+              <a:t>Extracción de Entidades y </a:t>
+            </a:r>
+            <a:r>
+              <a:rPr lang="es-EC" dirty="0" err="1" smtClean="0">
+                <a:latin typeface="Adobe Gothic Std B" pitchFamily="34" charset="-128"/>
+                <a:ea typeface="Adobe Gothic Std B" pitchFamily="34" charset="-128"/>
+              </a:rPr>
+              <a:t>Keywords</a:t>
+            </a:r>
+            <a:endParaRPr lang="es-EC" dirty="0" smtClean="0">
+              <a:latin typeface="Adobe Gothic Std B" pitchFamily="34" charset="-128"/>
+              <a:ea typeface="Adobe Gothic Std B" pitchFamily="34" charset="-128"/>
+            </a:endParaRPr>
+          </a:p>
+          <a:p>
+            <a:pPr marL="342900" lvl="3" indent="-342900">
+              <a:lnSpc>
+                <a:spcPct val="200000"/>
+              </a:lnSpc>
+              <a:buFont typeface="Arial" panose="020B0604020202020204" pitchFamily="34" charset="0"/>
+              <a:buChar char="•"/>
+            </a:pPr>
+            <a:r>
+              <a:rPr lang="es-EC" dirty="0" smtClean="0">
+                <a:latin typeface="Adobe Gothic Std B" pitchFamily="34" charset="-128"/>
+                <a:ea typeface="Adobe Gothic Std B" pitchFamily="34" charset="-128"/>
+              </a:rPr>
+              <a:t>WS - </a:t>
+            </a:r>
+            <a:r>
+              <a:rPr lang="es-EC" dirty="0" smtClean="0">
+                <a:latin typeface="Adobe Gothic Std B" pitchFamily="34" charset="-128"/>
+                <a:ea typeface="Adobe Gothic Std B" pitchFamily="34" charset="-128"/>
+              </a:rPr>
+              <a:t>Desambiguación</a:t>
+            </a:r>
+            <a:endParaRPr lang="es-EC" dirty="0">
+              <a:latin typeface="Adobe Gothic Std B" pitchFamily="34" charset="-128"/>
+              <a:ea typeface="Adobe Gothic Std B" pitchFamily="34" charset="-128"/>
+            </a:endParaRPr>
+          </a:p>
+        </p:txBody>
+      </p:sp>
+      <p:sp>
+        <p:nvSpPr>
+          <p:cNvPr id="4" name="TextShape 1"/>
           <p:cNvSpPr txBox="1"/>
           <p:nvPr/>
         </p:nvSpPr>
@@ -13829,6 +15165,111 @@
               </a:lnSpc>
             </a:pPr>
             <a:r>
+              <a:rPr lang="en-US" sz="3200" b="1" dirty="0" err="1" smtClean="0">
+                <a:solidFill>
+                  <a:srgbClr val="4E84C4"/>
+                </a:solidFill>
+                <a:latin typeface="Gill Sans"/>
+                <a:ea typeface="ＭＳ Ｐゴシック"/>
+              </a:rPr>
+              <a:t>Demostración</a:t>
+            </a:r>
+            <a:r>
+              <a:rPr lang="en-US" sz="3200" b="1" dirty="0" smtClean="0">
+                <a:solidFill>
+                  <a:srgbClr val="4E84C4"/>
+                </a:solidFill>
+                <a:latin typeface="Gill Sans"/>
+                <a:ea typeface="ＭＳ Ｐゴシック"/>
+              </a:rPr>
+              <a:t> de </a:t>
+            </a:r>
+            <a:r>
+              <a:rPr lang="en-US" sz="3200" b="1" dirty="0" err="1" smtClean="0">
+                <a:solidFill>
+                  <a:srgbClr val="4E84C4"/>
+                </a:solidFill>
+                <a:latin typeface="Gill Sans"/>
+                <a:ea typeface="ＭＳ Ｐゴシック"/>
+              </a:rPr>
+              <a:t>Servicios</a:t>
+            </a:r>
+            <a:r>
+              <a:rPr lang="en-US" sz="3200" b="1" dirty="0" smtClean="0">
+                <a:solidFill>
+                  <a:srgbClr val="4E84C4"/>
+                </a:solidFill>
+                <a:latin typeface="Gill Sans"/>
+                <a:ea typeface="ＭＳ Ｐゴシック"/>
+              </a:rPr>
+              <a:t> Web</a:t>
+            </a:r>
+            <a:endParaRPr dirty="0"/>
+          </a:p>
+        </p:txBody>
+      </p:sp>
+    </p:spTree>
+    <p:extLst>
+      <p:ext uri="{BB962C8B-B14F-4D97-AF65-F5344CB8AC3E}">
+        <p14:creationId xmlns:p14="http://schemas.microsoft.com/office/powerpoint/2010/main" val="3266572151"/>
+      </p:ext>
+    </p:extLst>
+  </p:cSld>
+  <p:clrMapOvr>
+    <a:masterClrMapping/>
+  </p:clrMapOvr>
+  <p:timing>
+    <p:tnLst>
+      <p:par>
+        <p:cTn id="1" dur="indefinite" restart="never" nodeType="tmRoot"/>
+      </p:par>
+    </p:tnLst>
+  </p:timing>
+</p:sld>
+</file>
+
+<file path=ppt/slides/slide29.xml><?xml version="1.0" encoding="utf-8"?>
+<p:sld xmlns:a="http://schemas.openxmlformats.org/drawingml/2006/main" xmlns:r="http://schemas.openxmlformats.org/officeDocument/2006/relationships" xmlns:p="http://schemas.openxmlformats.org/presentationml/2006/main">
+  <p:cSld>
+    <p:spTree>
+      <p:nvGrpSpPr>
+        <p:cNvPr id="1" name=""/>
+        <p:cNvGrpSpPr/>
+        <p:nvPr/>
+      </p:nvGrpSpPr>
+      <p:grpSpPr>
+        <a:xfrm>
+          <a:off x="0" y="0"/>
+          <a:ext cx="0" cy="0"/>
+          <a:chOff x="0" y="0"/>
+          <a:chExt cx="0" cy="0"/>
+        </a:xfrm>
+      </p:grpSpPr>
+      <p:sp>
+        <p:nvSpPr>
+          <p:cNvPr id="294" name="TextShape 1"/>
+          <p:cNvSpPr txBox="1"/>
+          <p:nvPr/>
+        </p:nvSpPr>
+        <p:spPr>
+          <a:xfrm>
+            <a:off x="343080" y="274680"/>
+            <a:ext cx="8442000" cy="595080"/>
+          </a:xfrm>
+          <a:prstGeom prst="rect">
+            <a:avLst/>
+          </a:prstGeom>
+        </p:spPr>
+        <p:txBody>
+          <a:bodyPr anchor="ctr"/>
+          <a:lstStyle/>
+          <a:p>
+            <a:pPr>
+              <a:lnSpc>
+                <a:spcPct val="100000"/>
+              </a:lnSpc>
+            </a:pPr>
+            <a:r>
               <a:rPr lang="en-US" sz="3200" b="1">
                 <a:solidFill>
                   <a:srgbClr val="4E84C4"/>
@@ -13836,15 +15277,15 @@
                 <a:latin typeface="Gill Sans"/>
                 <a:ea typeface="ＭＳ Ｐゴシック"/>
               </a:rPr>
-              <a:t>Principales aprendizajes</a:t>
-            </a:r>
-            <a:endParaRPr/>
-          </a:p>
-        </p:txBody>
-      </p:sp>
-      <p:sp>
-        <p:nvSpPr>
-          <p:cNvPr id="298" name="TextShape 2"/>
+              <a:t>Principales problemas encontrados</a:t>
+            </a:r>
+            <a:endParaRPr/>
+          </a:p>
+        </p:txBody>
+      </p:sp>
+      <p:sp>
+        <p:nvSpPr>
+          <p:cNvPr id="295" name="TextShape 2"/>
           <p:cNvSpPr txBox="1"/>
           <p:nvPr/>
         </p:nvSpPr>
@@ -13868,18 +15309,543 @@
               <a:buFont typeface="Wingdings" charset="2"/>
               <a:buChar char=""/>
             </a:pPr>
-            <a:r>
-              <a:rPr lang="en-US" sz="2800">
+            <a:endParaRPr lang="en-US" sz="2800" dirty="0" smtClean="0">
+              <a:solidFill>
+                <a:srgbClr val="000000"/>
+              </a:solidFill>
+              <a:latin typeface="Gill Sans"/>
+              <a:ea typeface="ＭＳ Ｐゴシック"/>
+            </a:endParaRPr>
+          </a:p>
+          <a:p>
+            <a:pPr marL="342900" indent="-342900" algn="just" fontAlgn="base">
+              <a:buFont typeface="Arial" panose="020B0604020202020204" pitchFamily="34" charset="0"/>
+              <a:buChar char="•"/>
+            </a:pPr>
+            <a:r>
+              <a:rPr lang="es-EC" sz="2400" dirty="0" smtClean="0">
+                <a:latin typeface="Arial" panose="020B0604020202020204" pitchFamily="34" charset="0"/>
+                <a:ea typeface="Adobe Fan Heiti Std B" pitchFamily="34" charset="-128"/>
+                <a:cs typeface="Arial" panose="020B0604020202020204" pitchFamily="34" charset="0"/>
+              </a:rPr>
+              <a:t>Tiempo</a:t>
+            </a:r>
+          </a:p>
+          <a:p>
+            <a:pPr marL="342900" indent="-342900" algn="just" fontAlgn="base">
+              <a:buFont typeface="Arial" panose="020B0604020202020204" pitchFamily="34" charset="0"/>
+              <a:buChar char="•"/>
+            </a:pPr>
+            <a:endParaRPr lang="es-EC" sz="2400" dirty="0" smtClean="0">
+              <a:solidFill>
+                <a:srgbClr val="000000"/>
+              </a:solidFill>
+              <a:latin typeface="Arial" panose="020B0604020202020204" pitchFamily="34" charset="0"/>
+              <a:ea typeface="Adobe Fan Heiti Std B" pitchFamily="34" charset="-128"/>
+              <a:cs typeface="Arial" panose="020B0604020202020204" pitchFamily="34" charset="0"/>
+            </a:endParaRPr>
+          </a:p>
+          <a:p>
+            <a:pPr marL="342900" indent="-342900" algn="just" fontAlgn="base">
+              <a:buFont typeface="Arial" panose="020B0604020202020204" pitchFamily="34" charset="0"/>
+              <a:buChar char="•"/>
+            </a:pPr>
+            <a:r>
+              <a:rPr lang="es-EC" sz="2400" dirty="0" smtClean="0">
                 <a:solidFill>
                   <a:srgbClr val="000000"/>
                 </a:solidFill>
-                <a:latin typeface="Gill Sans"/>
-                <a:ea typeface="ＭＳ Ｐゴシック"/>
-              </a:rPr>
-              <a:t>Adquisición de nuevos conocimientos Linkend Data </a:t>
-            </a:r>
-            <a:endParaRPr/>
-          </a:p>
+                <a:latin typeface="Arial" panose="020B0604020202020204" pitchFamily="34" charset="0"/>
+                <a:ea typeface="Adobe Fan Heiti Std B" pitchFamily="34" charset="-128"/>
+                <a:cs typeface="Arial" panose="020B0604020202020204" pitchFamily="34" charset="0"/>
+              </a:rPr>
+              <a:t>No </a:t>
+            </a:r>
+            <a:r>
+              <a:rPr lang="es-EC" sz="2400" dirty="0">
+                <a:solidFill>
+                  <a:srgbClr val="000000"/>
+                </a:solidFill>
+                <a:latin typeface="Arial" panose="020B0604020202020204" pitchFamily="34" charset="0"/>
+                <a:ea typeface="Adobe Fan Heiti Std B" pitchFamily="34" charset="-128"/>
+                <a:cs typeface="Arial" panose="020B0604020202020204" pitchFamily="34" charset="0"/>
+              </a:rPr>
+              <a:t>cumplir con el Cronograma </a:t>
+            </a:r>
+            <a:r>
+              <a:rPr lang="es-EC" sz="2400" dirty="0" smtClean="0">
+                <a:solidFill>
+                  <a:srgbClr val="000000"/>
+                </a:solidFill>
+                <a:latin typeface="Arial" panose="020B0604020202020204" pitchFamily="34" charset="0"/>
+                <a:ea typeface="Adobe Fan Heiti Std B" pitchFamily="34" charset="-128"/>
+                <a:cs typeface="Arial" panose="020B0604020202020204" pitchFamily="34" charset="0"/>
+              </a:rPr>
+              <a:t>establecido</a:t>
+            </a:r>
+          </a:p>
+          <a:p>
+            <a:pPr marL="342900" indent="-342900" algn="just" fontAlgn="base">
+              <a:buFont typeface="Arial" panose="020B0604020202020204" pitchFamily="34" charset="0"/>
+              <a:buChar char="•"/>
+            </a:pPr>
+            <a:endParaRPr lang="es-EC" sz="2400" dirty="0">
+              <a:solidFill>
+                <a:srgbClr val="000000"/>
+              </a:solidFill>
+              <a:latin typeface="Arial" panose="020B0604020202020204" pitchFamily="34" charset="0"/>
+              <a:ea typeface="Adobe Fan Heiti Std B" pitchFamily="34" charset="-128"/>
+              <a:cs typeface="Arial" panose="020B0604020202020204" pitchFamily="34" charset="0"/>
+            </a:endParaRPr>
+          </a:p>
+          <a:p>
+            <a:pPr marL="342900" indent="-342900" algn="just" fontAlgn="base">
+              <a:buFont typeface="Arial" panose="020B0604020202020204" pitchFamily="34" charset="0"/>
+              <a:buChar char="•"/>
+            </a:pPr>
+            <a:r>
+              <a:rPr lang="es-EC" sz="2400" dirty="0" smtClean="0">
+                <a:solidFill>
+                  <a:srgbClr val="000000"/>
+                </a:solidFill>
+                <a:latin typeface="Arial" panose="020B0604020202020204" pitchFamily="34" charset="0"/>
+                <a:ea typeface="Adobe Fan Heiti Std B" pitchFamily="34" charset="-128"/>
+                <a:cs typeface="Arial" panose="020B0604020202020204" pitchFamily="34" charset="0"/>
+              </a:rPr>
+              <a:t>Falta </a:t>
+            </a:r>
+            <a:r>
+              <a:rPr lang="es-EC" sz="2400" dirty="0">
+                <a:solidFill>
+                  <a:srgbClr val="000000"/>
+                </a:solidFill>
+                <a:latin typeface="Arial" panose="020B0604020202020204" pitchFamily="34" charset="0"/>
+                <a:ea typeface="Adobe Fan Heiti Std B" pitchFamily="34" charset="-128"/>
+                <a:cs typeface="Arial" panose="020B0604020202020204" pitchFamily="34" charset="0"/>
+              </a:rPr>
+              <a:t>de </a:t>
+            </a:r>
+            <a:r>
+              <a:rPr lang="es-EC" sz="2400" dirty="0" smtClean="0">
+                <a:solidFill>
+                  <a:srgbClr val="000000"/>
+                </a:solidFill>
+                <a:latin typeface="Arial" panose="020B0604020202020204" pitchFamily="34" charset="0"/>
+                <a:ea typeface="Adobe Fan Heiti Std B" pitchFamily="34" charset="-128"/>
+                <a:cs typeface="Arial" panose="020B0604020202020204" pitchFamily="34" charset="0"/>
+              </a:rPr>
+              <a:t>herramientas o </a:t>
+            </a:r>
+            <a:r>
+              <a:rPr lang="en-US" sz="2400" dirty="0" err="1">
+                <a:solidFill>
+                  <a:srgbClr val="000000"/>
+                </a:solidFill>
+                <a:latin typeface="Arial" panose="020B0604020202020204" pitchFamily="34" charset="0"/>
+                <a:ea typeface="Adobe Fan Heiti Std B" pitchFamily="34" charset="-128"/>
+                <a:cs typeface="Arial" panose="020B0604020202020204" pitchFamily="34" charset="0"/>
+              </a:rPr>
+              <a:t>Desconocimiento</a:t>
+            </a:r>
+            <a:r>
+              <a:rPr lang="en-US" sz="2400" dirty="0">
+                <a:solidFill>
+                  <a:srgbClr val="000000"/>
+                </a:solidFill>
+                <a:latin typeface="Arial" panose="020B0604020202020204" pitchFamily="34" charset="0"/>
+                <a:ea typeface="Adobe Fan Heiti Std B" pitchFamily="34" charset="-128"/>
+                <a:cs typeface="Arial" panose="020B0604020202020204" pitchFamily="34" charset="0"/>
+              </a:rPr>
+              <a:t> de </a:t>
+            </a:r>
+            <a:r>
+              <a:rPr lang="en-US" sz="2400" dirty="0" err="1">
+                <a:solidFill>
+                  <a:srgbClr val="000000"/>
+                </a:solidFill>
+                <a:latin typeface="Arial" panose="020B0604020202020204" pitchFamily="34" charset="0"/>
+                <a:ea typeface="Adobe Fan Heiti Std B" pitchFamily="34" charset="-128"/>
+                <a:cs typeface="Arial" panose="020B0604020202020204" pitchFamily="34" charset="0"/>
+              </a:rPr>
+              <a:t>las</a:t>
+            </a:r>
+            <a:r>
+              <a:rPr lang="en-US" sz="2400" dirty="0">
+                <a:solidFill>
+                  <a:srgbClr val="000000"/>
+                </a:solidFill>
+                <a:latin typeface="Arial" panose="020B0604020202020204" pitchFamily="34" charset="0"/>
+                <a:ea typeface="Adobe Fan Heiti Std B" pitchFamily="34" charset="-128"/>
+                <a:cs typeface="Arial" panose="020B0604020202020204" pitchFamily="34" charset="0"/>
+              </a:rPr>
+              <a:t> </a:t>
+            </a:r>
+            <a:r>
+              <a:rPr lang="en-US" sz="2400" dirty="0" err="1" smtClean="0">
+                <a:solidFill>
+                  <a:srgbClr val="000000"/>
+                </a:solidFill>
+                <a:latin typeface="Arial" panose="020B0604020202020204" pitchFamily="34" charset="0"/>
+                <a:ea typeface="Adobe Fan Heiti Std B" pitchFamily="34" charset="-128"/>
+                <a:cs typeface="Arial" panose="020B0604020202020204" pitchFamily="34" charset="0"/>
+              </a:rPr>
+              <a:t>tecnologías</a:t>
+            </a:r>
+            <a:r>
+              <a:rPr lang="en-US" sz="2400" dirty="0" smtClean="0">
+                <a:solidFill>
+                  <a:srgbClr val="000000"/>
+                </a:solidFill>
+                <a:latin typeface="Arial" panose="020B0604020202020204" pitchFamily="34" charset="0"/>
+                <a:ea typeface="Adobe Fan Heiti Std B" pitchFamily="34" charset="-128"/>
+                <a:cs typeface="Arial" panose="020B0604020202020204" pitchFamily="34" charset="0"/>
+              </a:rPr>
+              <a:t> </a:t>
+            </a:r>
+            <a:r>
+              <a:rPr lang="en-US" sz="2400" dirty="0" err="1">
+                <a:solidFill>
+                  <a:srgbClr val="000000"/>
+                </a:solidFill>
+                <a:latin typeface="Arial" panose="020B0604020202020204" pitchFamily="34" charset="0"/>
+                <a:ea typeface="Adobe Fan Heiti Std B" pitchFamily="34" charset="-128"/>
+                <a:cs typeface="Arial" panose="020B0604020202020204" pitchFamily="34" charset="0"/>
+              </a:rPr>
+              <a:t>necesarias</a:t>
+            </a:r>
+            <a:r>
+              <a:rPr lang="en-US" sz="2400" dirty="0">
+                <a:solidFill>
+                  <a:srgbClr val="000000"/>
+                </a:solidFill>
+                <a:latin typeface="Arial" panose="020B0604020202020204" pitchFamily="34" charset="0"/>
+                <a:ea typeface="Adobe Fan Heiti Std B" pitchFamily="34" charset="-128"/>
+                <a:cs typeface="Arial" panose="020B0604020202020204" pitchFamily="34" charset="0"/>
+              </a:rPr>
+              <a:t> para el </a:t>
+            </a:r>
+            <a:r>
+              <a:rPr lang="en-US" sz="2400" dirty="0" err="1">
+                <a:solidFill>
+                  <a:srgbClr val="000000"/>
+                </a:solidFill>
+                <a:latin typeface="Arial" panose="020B0604020202020204" pitchFamily="34" charset="0"/>
+                <a:ea typeface="Adobe Fan Heiti Std B" pitchFamily="34" charset="-128"/>
+                <a:cs typeface="Arial" panose="020B0604020202020204" pitchFamily="34" charset="0"/>
+              </a:rPr>
+              <a:t>desarrollo</a:t>
+            </a:r>
+            <a:r>
+              <a:rPr lang="en-US" sz="2400" dirty="0">
+                <a:solidFill>
+                  <a:srgbClr val="000000"/>
+                </a:solidFill>
+                <a:latin typeface="Arial" panose="020B0604020202020204" pitchFamily="34" charset="0"/>
+                <a:ea typeface="Adobe Fan Heiti Std B" pitchFamily="34" charset="-128"/>
+                <a:cs typeface="Arial" panose="020B0604020202020204" pitchFamily="34" charset="0"/>
+              </a:rPr>
+              <a:t> del </a:t>
+            </a:r>
+            <a:r>
+              <a:rPr lang="en-US" sz="2400" dirty="0" err="1">
+                <a:solidFill>
+                  <a:srgbClr val="000000"/>
+                </a:solidFill>
+                <a:latin typeface="Arial" panose="020B0604020202020204" pitchFamily="34" charset="0"/>
+                <a:ea typeface="Adobe Fan Heiti Std B" pitchFamily="34" charset="-128"/>
+                <a:cs typeface="Arial" panose="020B0604020202020204" pitchFamily="34" charset="0"/>
+              </a:rPr>
+              <a:t>sistema</a:t>
+            </a:r>
+            <a:r>
+              <a:rPr lang="en-US" sz="2400" dirty="0">
+                <a:solidFill>
+                  <a:srgbClr val="000000"/>
+                </a:solidFill>
+                <a:latin typeface="Arial" panose="020B0604020202020204" pitchFamily="34" charset="0"/>
+                <a:ea typeface="Adobe Fan Heiti Std B" pitchFamily="34" charset="-128"/>
+                <a:cs typeface="Arial" panose="020B0604020202020204" pitchFamily="34" charset="0"/>
+              </a:rPr>
+              <a:t> (</a:t>
+            </a:r>
+            <a:r>
+              <a:rPr lang="en-US" sz="2400" dirty="0" err="1">
+                <a:solidFill>
+                  <a:srgbClr val="000000"/>
+                </a:solidFill>
+                <a:latin typeface="Arial" panose="020B0604020202020204" pitchFamily="34" charset="0"/>
+                <a:ea typeface="Adobe Fan Heiti Std B" pitchFamily="34" charset="-128"/>
+                <a:cs typeface="Arial" panose="020B0604020202020204" pitchFamily="34" charset="0"/>
+              </a:rPr>
+              <a:t>Tecnologías</a:t>
+            </a:r>
+            <a:r>
+              <a:rPr lang="en-US" sz="2400" dirty="0">
+                <a:solidFill>
+                  <a:srgbClr val="000000"/>
+                </a:solidFill>
+                <a:latin typeface="Arial" panose="020B0604020202020204" pitchFamily="34" charset="0"/>
+                <a:ea typeface="Adobe Fan Heiti Std B" pitchFamily="34" charset="-128"/>
+                <a:cs typeface="Arial" panose="020B0604020202020204" pitchFamily="34" charset="0"/>
+              </a:rPr>
+              <a:t>)</a:t>
+            </a:r>
+          </a:p>
+          <a:p>
+            <a:pPr fontAlgn="base"/>
+            <a:endParaRPr dirty="0"/>
+          </a:p>
+          <a:p>
+            <a:pPr>
+              <a:lnSpc>
+                <a:spcPct val="100000"/>
+              </a:lnSpc>
+            </a:pPr>
+            <a:endParaRPr dirty="0"/>
+          </a:p>
+          <a:p>
+            <a:pPr>
+              <a:lnSpc>
+                <a:spcPct val="100000"/>
+              </a:lnSpc>
+            </a:pPr>
+            <a:endParaRPr dirty="0"/>
+          </a:p>
+        </p:txBody>
+      </p:sp>
+      <p:sp>
+        <p:nvSpPr>
+          <p:cNvPr id="296" name="TextShape 3"/>
+          <p:cNvSpPr txBox="1"/>
+          <p:nvPr/>
+        </p:nvSpPr>
+        <p:spPr>
+          <a:xfrm>
+            <a:off x="8477280" y="6461280"/>
+            <a:ext cx="380520" cy="264600"/>
+          </a:xfrm>
+          <a:prstGeom prst="rect">
+            <a:avLst/>
+          </a:prstGeom>
+        </p:spPr>
+        <p:txBody>
+          <a:bodyPr/>
+          <a:lstStyle/>
+          <a:p>
+            <a:pPr>
+              <a:lnSpc>
+                <a:spcPct val="100000"/>
+              </a:lnSpc>
+            </a:pPr>
+            <a:fld id="{A5ACB03E-8A80-492A-ACEC-A8C9688E16E9}" type="slidenum">
+              <a:rPr lang="es-EC" sz="900" b="1">
+                <a:solidFill>
+                  <a:srgbClr val="4E84C4"/>
+                </a:solidFill>
+                <a:latin typeface="Myriad Pro"/>
+                <a:ea typeface="ＭＳ Ｐゴシック"/>
+              </a:rPr>
+              <a:t>29</a:t>
+            </a:fld>
+            <a:endParaRPr/>
+          </a:p>
+        </p:txBody>
+      </p:sp>
+    </p:spTree>
+  </p:cSld>
+  <p:clrMapOvr>
+    <a:masterClrMapping/>
+  </p:clrMapOvr>
+  <p:transition>
+    <p:fade/>
+  </p:transition>
+  <p:timing>
+    <p:tnLst>
+      <p:par>
+        <p:cTn id="1" dur="indefinite" restart="never" nodeType="tmRoot"/>
+      </p:par>
+    </p:tnLst>
+  </p:timing>
+</p:sld>
+</file>
+
+<file path=ppt/slides/slide3.xml><?xml version="1.0" encoding="utf-8"?>
+<p:sld xmlns:a="http://schemas.openxmlformats.org/drawingml/2006/main" xmlns:r="http://schemas.openxmlformats.org/officeDocument/2006/relationships" xmlns:p="http://schemas.openxmlformats.org/presentationml/2006/main">
+  <p:cSld>
+    <p:spTree>
+      <p:nvGrpSpPr>
+        <p:cNvPr id="1" name=""/>
+        <p:cNvGrpSpPr/>
+        <p:nvPr/>
+      </p:nvGrpSpPr>
+      <p:grpSpPr>
+        <a:xfrm>
+          <a:off x="0" y="0"/>
+          <a:ext cx="0" cy="0"/>
+          <a:chOff x="0" y="0"/>
+          <a:chExt cx="0" cy="0"/>
+        </a:xfrm>
+      </p:grpSpPr>
+      <p:sp>
+        <p:nvSpPr>
+          <p:cNvPr id="203" name="TextShape 1"/>
+          <p:cNvSpPr txBox="1"/>
+          <p:nvPr/>
+        </p:nvSpPr>
+        <p:spPr>
+          <a:xfrm>
+            <a:off x="722160" y="4406760"/>
+            <a:ext cx="7772040" cy="1361880"/>
+          </a:xfrm>
+          <a:prstGeom prst="rect">
+            <a:avLst/>
+          </a:prstGeom>
+        </p:spPr>
+        <p:txBody>
+          <a:bodyPr/>
+          <a:lstStyle/>
+          <a:p>
+            <a:pPr>
+              <a:lnSpc>
+                <a:spcPct val="100000"/>
+              </a:lnSpc>
+            </a:pPr>
+            <a:r>
+              <a:rPr lang="en-US" sz="4000" b="1">
+                <a:solidFill>
+                  <a:srgbClr val="4E84C4"/>
+                </a:solidFill>
+                <a:latin typeface="Gill Sans"/>
+                <a:ea typeface="ＭＳ Ｐゴシック"/>
+              </a:rPr>
+              <a:t>Datos del proyecto</a:t>
+            </a:r>
+            <a:endParaRPr/>
+          </a:p>
+        </p:txBody>
+      </p:sp>
+      <p:sp>
+        <p:nvSpPr>
+          <p:cNvPr id="204" name="TextShape 2"/>
+          <p:cNvSpPr txBox="1"/>
+          <p:nvPr/>
+        </p:nvSpPr>
+        <p:spPr>
+          <a:xfrm>
+            <a:off x="8477280" y="6461280"/>
+            <a:ext cx="380520" cy="264600"/>
+          </a:xfrm>
+          <a:prstGeom prst="rect">
+            <a:avLst/>
+          </a:prstGeom>
+        </p:spPr>
+        <p:txBody>
+          <a:bodyPr/>
+          <a:lstStyle/>
+          <a:p>
+            <a:pPr>
+              <a:lnSpc>
+                <a:spcPct val="100000"/>
+              </a:lnSpc>
+            </a:pPr>
+            <a:fld id="{140A1698-FB93-4128-8321-EDEA205A4334}" type="slidenum">
+              <a:rPr lang="es-EC" sz="900" b="1">
+                <a:solidFill>
+                  <a:srgbClr val="4E84C4"/>
+                </a:solidFill>
+                <a:latin typeface="Myriad Pro"/>
+                <a:ea typeface="ＭＳ Ｐゴシック"/>
+              </a:rPr>
+              <a:t>3</a:t>
+            </a:fld>
+            <a:endParaRPr/>
+          </a:p>
+        </p:txBody>
+      </p:sp>
+    </p:spTree>
+  </p:cSld>
+  <p:clrMapOvr>
+    <a:masterClrMapping/>
+  </p:clrMapOvr>
+  <p:transition>
+    <p:fade/>
+  </p:transition>
+</p:sld>
+</file>
+
+<file path=ppt/slides/slide30.xml><?xml version="1.0" encoding="utf-8"?>
+<p:sld xmlns:a="http://schemas.openxmlformats.org/drawingml/2006/main" xmlns:r="http://schemas.openxmlformats.org/officeDocument/2006/relationships" xmlns:p="http://schemas.openxmlformats.org/presentationml/2006/main">
+  <p:cSld>
+    <p:spTree>
+      <p:nvGrpSpPr>
+        <p:cNvPr id="1" name=""/>
+        <p:cNvGrpSpPr/>
+        <p:nvPr/>
+      </p:nvGrpSpPr>
+      <p:grpSpPr>
+        <a:xfrm>
+          <a:off x="0" y="0"/>
+          <a:ext cx="0" cy="0"/>
+          <a:chOff x="0" y="0"/>
+          <a:chExt cx="0" cy="0"/>
+        </a:xfrm>
+      </p:grpSpPr>
+      <p:sp>
+        <p:nvSpPr>
+          <p:cNvPr id="297" name="TextShape 1"/>
+          <p:cNvSpPr txBox="1"/>
+          <p:nvPr/>
+        </p:nvSpPr>
+        <p:spPr>
+          <a:xfrm>
+            <a:off x="343080" y="274680"/>
+            <a:ext cx="8442000" cy="595080"/>
+          </a:xfrm>
+          <a:prstGeom prst="rect">
+            <a:avLst/>
+          </a:prstGeom>
+        </p:spPr>
+        <p:txBody>
+          <a:bodyPr anchor="ctr"/>
+          <a:lstStyle/>
+          <a:p>
+            <a:pPr>
+              <a:lnSpc>
+                <a:spcPct val="100000"/>
+              </a:lnSpc>
+            </a:pPr>
+            <a:r>
+              <a:rPr lang="en-US" sz="3200" b="1">
+                <a:solidFill>
+                  <a:srgbClr val="4E84C4"/>
+                </a:solidFill>
+                <a:latin typeface="Gill Sans"/>
+                <a:ea typeface="ＭＳ Ｐゴシック"/>
+              </a:rPr>
+              <a:t>Principales aprendizajes</a:t>
+            </a:r>
+            <a:endParaRPr/>
+          </a:p>
+        </p:txBody>
+      </p:sp>
+      <p:sp>
+        <p:nvSpPr>
+          <p:cNvPr id="298" name="TextShape 2"/>
+          <p:cNvSpPr txBox="1"/>
+          <p:nvPr/>
+        </p:nvSpPr>
+        <p:spPr>
+          <a:xfrm>
+            <a:off x="343080" y="1175760"/>
+            <a:ext cx="8442000" cy="4525560"/>
+          </a:xfrm>
+          <a:prstGeom prst="rect">
+            <a:avLst/>
+          </a:prstGeom>
+        </p:spPr>
+        <p:txBody>
+          <a:bodyPr/>
+          <a:lstStyle/>
           <a:p>
             <a:pPr>
               <a:lnSpc>
@@ -13889,16 +15855,86 @@
               <a:buChar char=""/>
             </a:pPr>
             <a:r>
-              <a:rPr lang="en-US" sz="2800">
+              <a:rPr lang="en-US" sz="2800" dirty="0" err="1">
                 <a:solidFill>
                   <a:srgbClr val="000000"/>
                 </a:solidFill>
                 <a:latin typeface="Gill Sans"/>
                 <a:ea typeface="ＭＳ Ｐゴシック"/>
               </a:rPr>
-              <a:t>Procesamiento de lenguaje Natural</a:t>
-            </a:r>
-            <a:endParaRPr/>
+              <a:t>Adquisición</a:t>
+            </a:r>
+            <a:r>
+              <a:rPr lang="en-US" sz="2800" dirty="0">
+                <a:solidFill>
+                  <a:srgbClr val="000000"/>
+                </a:solidFill>
+                <a:latin typeface="Gill Sans"/>
+                <a:ea typeface="ＭＳ Ｐゴシック"/>
+              </a:rPr>
+              <a:t> de </a:t>
+            </a:r>
+            <a:r>
+              <a:rPr lang="en-US" sz="2800" dirty="0" err="1">
+                <a:solidFill>
+                  <a:srgbClr val="000000"/>
+                </a:solidFill>
+                <a:latin typeface="Gill Sans"/>
+                <a:ea typeface="ＭＳ Ｐゴシック"/>
+              </a:rPr>
+              <a:t>nuevos</a:t>
+            </a:r>
+            <a:r>
+              <a:rPr lang="en-US" sz="2800" dirty="0">
+                <a:solidFill>
+                  <a:srgbClr val="000000"/>
+                </a:solidFill>
+                <a:latin typeface="Gill Sans"/>
+                <a:ea typeface="ＭＳ Ｐゴシック"/>
+              </a:rPr>
+              <a:t> </a:t>
+            </a:r>
+            <a:r>
+              <a:rPr lang="en-US" sz="2800" dirty="0" err="1">
+                <a:solidFill>
+                  <a:srgbClr val="000000"/>
+                </a:solidFill>
+                <a:latin typeface="Gill Sans"/>
+                <a:ea typeface="ＭＳ Ｐゴシック"/>
+              </a:rPr>
+              <a:t>conocimientos</a:t>
+            </a:r>
+            <a:r>
+              <a:rPr lang="en-US" sz="2800" dirty="0">
+                <a:solidFill>
+                  <a:srgbClr val="000000"/>
+                </a:solidFill>
+                <a:latin typeface="Gill Sans"/>
+                <a:ea typeface="ＭＳ Ｐゴシック"/>
+              </a:rPr>
+              <a:t> </a:t>
+            </a:r>
+            <a:r>
+              <a:rPr lang="en-US" sz="2800" dirty="0" err="1">
+                <a:solidFill>
+                  <a:srgbClr val="000000"/>
+                </a:solidFill>
+                <a:latin typeface="Gill Sans"/>
+                <a:ea typeface="ＭＳ Ｐゴシック"/>
+              </a:rPr>
+              <a:t>Linkend</a:t>
+            </a:r>
+            <a:r>
+              <a:rPr lang="en-US" sz="2800" dirty="0">
+                <a:solidFill>
+                  <a:srgbClr val="000000"/>
+                </a:solidFill>
+                <a:latin typeface="Gill Sans"/>
+                <a:ea typeface="ＭＳ Ｐゴシック"/>
+              </a:rPr>
+              <a:t> Data </a:t>
+            </a:r>
+            <a:endParaRPr dirty="0"/>
           </a:p>
           <a:p>
             <a:pPr>
@@ -13909,50 +15945,189 @@
               <a:buChar char=""/>
             </a:pPr>
             <a:r>
-              <a:rPr lang="en-US" sz="2800">
+              <a:rPr lang="en-US" sz="2800" dirty="0" err="1">
                 <a:solidFill>
                   <a:srgbClr val="000000"/>
                 </a:solidFill>
                 <a:latin typeface="Gill Sans"/>
                 <a:ea typeface="ＭＳ Ｐゴシック"/>
               </a:rPr>
-              <a:t>Servicio Web – Rest</a:t>
-            </a:r>
-            <a:endParaRPr/>
+              <a:t>Procesamiento</a:t>
+            </a:r>
+            <a:r>
+              <a:rPr lang="en-US" sz="2800" dirty="0">
+                <a:solidFill>
+                  <a:srgbClr val="000000"/>
+                </a:solidFill>
+                <a:latin typeface="Gill Sans"/>
+                <a:ea typeface="ＭＳ Ｐゴシック"/>
+              </a:rPr>
+              <a:t> de </a:t>
+            </a:r>
+            <a:r>
+              <a:rPr lang="en-US" sz="2800" dirty="0" err="1">
+                <a:solidFill>
+                  <a:srgbClr val="000000"/>
+                </a:solidFill>
+                <a:latin typeface="Gill Sans"/>
+                <a:ea typeface="ＭＳ Ｐゴシック"/>
+              </a:rPr>
+              <a:t>lenguaje</a:t>
+            </a:r>
+            <a:r>
+              <a:rPr lang="en-US" sz="2800" dirty="0">
+                <a:solidFill>
+                  <a:srgbClr val="000000"/>
+                </a:solidFill>
+                <a:latin typeface="Gill Sans"/>
+                <a:ea typeface="ＭＳ Ｐゴシック"/>
+              </a:rPr>
+              <a:t> Natural</a:t>
+            </a:r>
+            <a:endParaRPr dirty="0"/>
           </a:p>
           <a:p>
             <a:pPr>
               <a:lnSpc>
                 <a:spcPct val="100000"/>
               </a:lnSpc>
-            </a:pPr>
-            <a:endParaRPr/>
-          </a:p>
-        </p:txBody>
-      </p:sp>
-      <p:sp>
-        <p:nvSpPr>
-          <p:cNvPr id="299" name="TextShape 3"/>
-          <p:cNvSpPr txBox="1"/>
-          <p:nvPr/>
-        </p:nvSpPr>
-        <p:spPr>
-          <a:xfrm>
-            <a:off x="8477280" y="6461280"/>
-            <a:ext cx="380520" cy="264600"/>
-          </a:xfrm>
-          <a:prstGeom prst="rect">
-            <a:avLst/>
-          </a:prstGeom>
-        </p:spPr>
-        <p:txBody>
-          <a:bodyPr/>
-          <a:lstStyle/>
+              <a:buFont typeface="Wingdings" charset="2"/>
+              <a:buChar char=""/>
+            </a:pPr>
+            <a:r>
+              <a:rPr lang="en-US" sz="2800" dirty="0" err="1">
+                <a:solidFill>
+                  <a:srgbClr val="000000"/>
+                </a:solidFill>
+                <a:latin typeface="Gill Sans"/>
+                <a:ea typeface="ＭＳ Ｐゴシック"/>
+              </a:rPr>
+              <a:t>Servicio</a:t>
+            </a:r>
+            <a:r>
+              <a:rPr lang="en-US" sz="2800" dirty="0">
+                <a:solidFill>
+                  <a:srgbClr val="000000"/>
+                </a:solidFill>
+                <a:latin typeface="Gill Sans"/>
+                <a:ea typeface="ＭＳ Ｐゴシック"/>
+              </a:rPr>
+              <a:t> Web – </a:t>
+            </a:r>
+            <a:r>
+              <a:rPr lang="en-US" sz="2800" dirty="0" smtClean="0">
+                <a:solidFill>
+                  <a:srgbClr val="000000"/>
+                </a:solidFill>
+                <a:latin typeface="Gill Sans"/>
+                <a:ea typeface="ＭＳ Ｐゴシック"/>
+              </a:rPr>
+              <a:t>Rest</a:t>
+            </a:r>
+          </a:p>
           <a:p>
             <a:pPr>
               <a:lnSpc>
                 <a:spcPct val="100000"/>
               </a:lnSpc>
+              <a:buFont typeface="Wingdings" charset="2"/>
+              <a:buChar char=""/>
+            </a:pPr>
+            <a:r>
+              <a:rPr lang="en-US" sz="2800" dirty="0" err="1" smtClean="0">
+                <a:solidFill>
+                  <a:srgbClr val="000000"/>
+                </a:solidFill>
+                <a:latin typeface="Gill Sans"/>
+                <a:ea typeface="ＭＳ Ｐゴシック"/>
+              </a:rPr>
+              <a:t>Métodos</a:t>
+            </a:r>
+            <a:r>
+              <a:rPr lang="en-US" sz="2800" dirty="0" smtClean="0">
+                <a:solidFill>
+                  <a:srgbClr val="000000"/>
+                </a:solidFill>
+                <a:latin typeface="Gill Sans"/>
+                <a:ea typeface="ＭＳ Ｐゴシック"/>
+              </a:rPr>
+              <a:t> de </a:t>
+            </a:r>
+            <a:r>
+              <a:rPr lang="en-US" sz="2800" dirty="0" err="1">
+                <a:solidFill>
+                  <a:srgbClr val="000000"/>
+                </a:solidFill>
+                <a:latin typeface="Gill Sans"/>
+                <a:ea typeface="ＭＳ Ｐゴシック"/>
+              </a:rPr>
+              <a:t>D</a:t>
+            </a:r>
+            <a:r>
+              <a:rPr lang="en-US" sz="2800" dirty="0" err="1" smtClean="0">
+                <a:solidFill>
+                  <a:srgbClr val="000000"/>
+                </a:solidFill>
+                <a:latin typeface="Gill Sans"/>
+                <a:ea typeface="ＭＳ Ｐゴシック"/>
+              </a:rPr>
+              <a:t>esambiguacción</a:t>
+            </a:r>
+            <a:r>
+              <a:rPr lang="en-US" sz="2800" dirty="0" smtClean="0">
+                <a:solidFill>
+                  <a:srgbClr val="000000"/>
+                </a:solidFill>
+                <a:latin typeface="Gill Sans"/>
+                <a:ea typeface="ＭＳ Ｐゴシック"/>
+              </a:rPr>
+              <a:t> en base a </a:t>
+            </a:r>
+            <a:r>
+              <a:rPr lang="en-US" sz="2800" dirty="0" err="1" smtClean="0">
+                <a:solidFill>
+                  <a:srgbClr val="000000"/>
+                </a:solidFill>
+                <a:latin typeface="Gill Sans"/>
+                <a:ea typeface="ＭＳ Ｐゴシック"/>
+              </a:rPr>
+              <a:t>conocimiento</a:t>
+            </a:r>
+            <a:endParaRPr dirty="0"/>
+          </a:p>
+          <a:p>
+            <a:pPr>
+              <a:lnSpc>
+                <a:spcPct val="100000"/>
+              </a:lnSpc>
+            </a:pPr>
+            <a:endParaRPr dirty="0"/>
+          </a:p>
+        </p:txBody>
+      </p:sp>
+      <p:sp>
+        <p:nvSpPr>
+          <p:cNvPr id="299" name="TextShape 3"/>
+          <p:cNvSpPr txBox="1"/>
+          <p:nvPr/>
+        </p:nvSpPr>
+        <p:spPr>
+          <a:xfrm>
+            <a:off x="8477280" y="6461280"/>
+            <a:ext cx="380520" cy="264600"/>
+          </a:xfrm>
+          <a:prstGeom prst="rect">
+            <a:avLst/>
+          </a:prstGeom>
+        </p:spPr>
+        <p:txBody>
+          <a:bodyPr/>
+          <a:lstStyle/>
+          <a:p>
+            <a:pPr>
+              <a:lnSpc>
+                <a:spcPct val="100000"/>
+              </a:lnSpc>
             </a:pPr>
             <a:fld id="{98125FB8-A720-4DF4-AAE1-85BDDE1E4342}" type="slidenum">
               <a:rPr lang="es-EC" sz="900" b="1">
@@ -13962,7 +16137,7 @@
                 <a:latin typeface="Myriad Pro"/>
                 <a:ea typeface="ＭＳ Ｐゴシック"/>
               </a:rPr>
-              <a:t>28</a:t>
+              <a:t>30</a:t>
             </a:fld>
             <a:endParaRPr/>
           </a:p>
@@ -14006,7 +16181,7 @@
 </p:sld>
 </file>
 
-<file path=ppt/slides/slide29.xml><?xml version="1.0" encoding="utf-8"?>
+<file path=ppt/slides/slide31.xml><?xml version="1.0" encoding="utf-8"?>
 <p:sld xmlns:a="http://schemas.openxmlformats.org/drawingml/2006/main" xmlns:r="http://schemas.openxmlformats.org/officeDocument/2006/relationships" xmlns:p="http://schemas.openxmlformats.org/presentationml/2006/main">
   <p:cSld>
     <p:spTree>
@@ -14069,114 +16244,17 @@
   <p:transition>
     <p:fade/>
   </p:transition>
+  <p:timing>
+    <p:tnLst>
+      <p:par>
+        <p:cTn id="1" dur="indefinite" restart="never" nodeType="tmRoot"/>
+      </p:par>
+    </p:tnLst>
+  </p:timing>
 </p:sld>
 </file>
 
-<file path=ppt/slides/slide3.xml><?xml version="1.0" encoding="utf-8"?>
-<p:sld xmlns:a="http://schemas.openxmlformats.org/drawingml/2006/main" xmlns:r="http://schemas.openxmlformats.org/officeDocument/2006/relationships" xmlns:p="http://schemas.openxmlformats.org/presentationml/2006/main">
-  <p:cSld>
-    <p:spTree>
-      <p:nvGrpSpPr>
-        <p:cNvPr id="1" name=""/>
-        <p:cNvGrpSpPr/>
-        <p:nvPr/>
-      </p:nvGrpSpPr>
-      <p:grpSpPr>
-        <a:xfrm>
-          <a:off x="0" y="0"/>
-          <a:ext cx="0" cy="0"/>
-          <a:chOff x="0" y="0"/>
-          <a:chExt cx="0" cy="0"/>
-        </a:xfrm>
-      </p:grpSpPr>
-      <p:sp>
-        <p:nvSpPr>
-          <p:cNvPr id="203" name="TextShape 1"/>
-          <p:cNvSpPr txBox="1"/>
-          <p:nvPr/>
-        </p:nvSpPr>
-        <p:spPr>
-          <a:xfrm>
-            <a:off x="722160" y="4406760"/>
-            <a:ext cx="7772040" cy="1361880"/>
-          </a:xfrm>
-          <a:prstGeom prst="rect">
-            <a:avLst/>
-          </a:prstGeom>
-        </p:spPr>
-        <p:txBody>
-          <a:bodyPr/>
-          <a:lstStyle/>
-          <a:p>
-            <a:pPr>
-              <a:lnSpc>
-                <a:spcPct val="100000"/>
-              </a:lnSpc>
-            </a:pPr>
-            <a:r>
-              <a:rPr lang="en-US" sz="4000" b="1">
-                <a:solidFill>
-                  <a:srgbClr val="4E84C4"/>
-                </a:solidFill>
-                <a:latin typeface="Gill Sans"/>
-                <a:ea typeface="ＭＳ Ｐゴシック"/>
-              </a:rPr>
-              <a:t>Datos del proyecto</a:t>
-            </a:r>
-            <a:endParaRPr/>
-          </a:p>
-        </p:txBody>
-      </p:sp>
-      <p:sp>
-        <p:nvSpPr>
-          <p:cNvPr id="204" name="TextShape 2"/>
-          <p:cNvSpPr txBox="1"/>
-          <p:nvPr/>
-        </p:nvSpPr>
-        <p:spPr>
-          <a:xfrm>
-            <a:off x="8477280" y="6461280"/>
-            <a:ext cx="380520" cy="264600"/>
-          </a:xfrm>
-          <a:prstGeom prst="rect">
-            <a:avLst/>
-          </a:prstGeom>
-        </p:spPr>
-        <p:txBody>
-          <a:bodyPr/>
-          <a:lstStyle/>
-          <a:p>
-            <a:pPr>
-              <a:lnSpc>
-                <a:spcPct val="100000"/>
-              </a:lnSpc>
-            </a:pPr>
-            <a:fld id="{140A1698-FB93-4128-8321-EDEA205A4334}" type="slidenum">
-              <a:rPr lang="es-EC" sz="900" b="1">
-                <a:solidFill>
-                  <a:srgbClr val="4E84C4"/>
-                </a:solidFill>
-                <a:latin typeface="Myriad Pro"/>
-                <a:ea typeface="ＭＳ Ｐゴシック"/>
-              </a:rPr>
-              <a:t>3</a:t>
-            </a:fld>
-            <a:endParaRPr/>
-          </a:p>
-        </p:txBody>
-      </p:sp>
-    </p:spTree>
-  </p:cSld>
-  <p:clrMapOvr>
-    <a:masterClrMapping/>
-  </p:clrMapOvr>
-  <p:transition>
-    <p:fade/>
-  </p:transition>
-</p:sld>
-</file>
-
-<file path=ppt/slides/slide30.xml><?xml version="1.0" encoding="utf-8"?>
+<file path=ppt/slides/slide32.xml><?xml version="1.0" encoding="utf-8"?>
 <p:sld xmlns:a="http://schemas.openxmlformats.org/drawingml/2006/main" xmlns:r="http://schemas.openxmlformats.org/officeDocument/2006/relationships" xmlns:p="http://schemas.openxmlformats.org/presentationml/2006/main">
   <p:cSld>
     <p:spTree>
@@ -15241,16 +17319,16 @@
               </a:lnSpc>
             </a:pPr>
             <a:r>
-              <a:rPr lang="es-EC" sz="2400">
+              <a:rPr lang="es-EC" sz="2400" dirty="0" smtClean="0">
                 <a:solidFill>
                   <a:srgbClr val="FFFFFF"/>
                 </a:solidFill>
                 <a:latin typeface="Arial"/>
                 <a:ea typeface="ＭＳ Ｐゴシック"/>
               </a:rPr>
-              <a:t>Implementación de la solución</a:t>
-            </a:r>
-            <a:endParaRPr/>
+              <a:t>Diseño</a:t>
+            </a:r>
+            <a:endParaRPr dirty="0"/>
           </a:p>
         </p:txBody>
       </p:sp>
@@ -15401,16 +17479,16 @@
               </a:lnSpc>
             </a:pPr>
             <a:r>
-              <a:rPr lang="es-EC" sz="2000">
+              <a:rPr lang="es-EC" sz="2000" dirty="0" smtClean="0">
                 <a:solidFill>
                   <a:srgbClr val="FFFFFF"/>
                 </a:solidFill>
                 <a:latin typeface="Arial"/>
                 <a:ea typeface="ＭＳ Ｐゴシック"/>
               </a:rPr>
-              <a:t>Análisis de Resultados, Conclusiones y Recomendaciones</a:t>
-            </a:r>
-            <a:endParaRPr/>
+              <a:t>Implementación y Pruebas</a:t>
+            </a:r>
+            <a:endParaRPr dirty="0"/>
           </a:p>
         </p:txBody>
       </p:sp>
@@ -15453,16 +17531,66 @@
               <a:buChar char=""/>
             </a:pPr>
             <a:r>
-              <a:rPr lang="es-EC" sz="2400">
+              <a:rPr lang="es-EC" sz="2400" dirty="0" err="1" smtClean="0">
                 <a:solidFill>
                   <a:srgbClr val="000000"/>
                 </a:solidFill>
                 <a:latin typeface="Arial"/>
                 <a:ea typeface="ＭＳ Ｐゴシック"/>
               </a:rPr>
-              <a:t>Resultados</a:t>
-            </a:r>
-            <a:endParaRPr/>
+              <a:t>Codigo</a:t>
+            </a:r>
+            <a:r>
+              <a:rPr lang="es-EC" sz="2400" dirty="0" smtClean="0">
+                <a:solidFill>
+                  <a:srgbClr val="000000"/>
+                </a:solidFill>
+                <a:latin typeface="Arial"/>
+                <a:ea typeface="ＭＳ Ｐゴシック"/>
+              </a:rPr>
+              <a:t> (SW)</a:t>
+            </a:r>
+          </a:p>
+          <a:p>
+            <a:pPr lvl="1">
+              <a:lnSpc>
+                <a:spcPct val="90000"/>
+              </a:lnSpc>
+              <a:buSzPct val="25000"/>
+              <a:buFont typeface="StarSymbol"/>
+              <a:buChar char=""/>
+            </a:pPr>
+            <a:r>
+              <a:rPr lang="es-EC" sz="2400" dirty="0" err="1" smtClean="0">
+                <a:solidFill>
+                  <a:srgbClr val="000000"/>
+                </a:solidFill>
+                <a:latin typeface="Arial"/>
+                <a:ea typeface="ＭＳ Ｐゴシック"/>
+              </a:rPr>
+              <a:t>Doc</a:t>
+            </a:r>
+            <a:r>
+              <a:rPr lang="es-EC" sz="2400" dirty="0" smtClean="0">
+                <a:solidFill>
+                  <a:srgbClr val="000000"/>
+                </a:solidFill>
+                <a:latin typeface="Arial"/>
+                <a:ea typeface="ＭＳ Ｐゴシック"/>
+              </a:rPr>
+              <a:t> Pruebas</a:t>
+            </a:r>
+          </a:p>
+          <a:p>
+            <a:pPr lvl="1">
+              <a:lnSpc>
+                <a:spcPct val="90000"/>
+              </a:lnSpc>
+              <a:buSzPct val="25000"/>
+              <a:buFont typeface="StarSymbol"/>
+              <a:buChar char=""/>
+            </a:pPr>
+            <a:endParaRPr dirty="0"/>
           </a:p>
         </p:txBody>
       </p:sp>
@@ -15794,7 +17922,7 @@
               <a:buChar char=""/>
             </a:pPr>
             <a:r>
-              <a:rPr lang="es-EC" sz="2400">
+              <a:rPr lang="es-EC" sz="2400" dirty="0">
                 <a:solidFill>
                   <a:srgbClr val="000000"/>
                 </a:solidFill>
@@ -15803,7 +17931,7 @@
               </a:rPr>
               <a:t>Construcción del los módulos y servicios necesarios para que el sistema cumpla con su objetivo</a:t>
             </a:r>
-            <a:endParaRPr/>
+            <a:endParaRPr dirty="0"/>
           </a:p>
           <a:p>
             <a:pPr lvl="1">
@@ -15815,7 +17943,7 @@
               <a:buChar char=""/>
             </a:pPr>
             <a:r>
-              <a:rPr lang="es-EC" sz="2400" b="1">
+              <a:rPr lang="es-EC" sz="2400" b="1" dirty="0">
                 <a:solidFill>
                   <a:srgbClr val="000000"/>
                 </a:solidFill>
@@ -15825,7 +17953,7 @@
               <a:t>Entregables propuestos</a:t>
             </a:r>
             <a:r>
-              <a:rPr lang="es-EC" sz="2400">
+              <a:rPr lang="es-EC" sz="2400" dirty="0">
                 <a:solidFill>
                   <a:srgbClr val="000000"/>
                 </a:solidFill>
@@ -15834,7 +17962,7 @@
               </a:rPr>
               <a:t>	</a:t>
             </a:r>
-            <a:endParaRPr/>
+            <a:endParaRPr dirty="0"/>
           </a:p>
           <a:p>
             <a:pPr lvl="2">
@@ -15846,7 +17974,7 @@
               <a:buChar char=""/>
             </a:pPr>
             <a:r>
-              <a:rPr lang="es-EC" sz="2400">
+              <a:rPr lang="es-EC" sz="2400" dirty="0">
                 <a:solidFill>
                   <a:srgbClr val="000000"/>
                 </a:solidFill>
@@ -15855,7 +17983,7 @@
               </a:rPr>
               <a:t>Modulo de etiquetado</a:t>
             </a:r>
-            <a:endParaRPr/>
+            <a:endParaRPr dirty="0"/>
           </a:p>
           <a:p>
             <a:pPr lvl="2">
@@ -15867,16 +17995,26 @@
               <a:buChar char=""/>
             </a:pPr>
             <a:r>
-              <a:rPr lang="es-EC" sz="2400">
+              <a:rPr lang="es-EC" sz="2400" dirty="0">
                 <a:solidFill>
                   <a:srgbClr val="000000"/>
                 </a:solidFill>
                 <a:latin typeface="Arial"/>
                 <a:ea typeface="ＭＳ Ｐゴシック"/>
               </a:rPr>
-              <a:t>Module Extracción Entidades y Keywords</a:t>
-            </a:r>
-            <a:endParaRPr/>
+              <a:t>Module Extracción Entidades y </a:t>
+            </a:r>
+            <a:r>
+              <a:rPr lang="es-EC" sz="2400" dirty="0" err="1">
+                <a:solidFill>
+                  <a:srgbClr val="000000"/>
+                </a:solidFill>
+                <a:latin typeface="Arial"/>
+                <a:ea typeface="ＭＳ Ｐゴシック"/>
+              </a:rPr>
+              <a:t>Keywords</a:t>
+            </a:r>
+            <a:endParaRPr dirty="0"/>
           </a:p>
           <a:p>
             <a:pPr lvl="2">
@@ -15888,7 +18026,7 @@
               <a:buChar char=""/>
             </a:pPr>
             <a:r>
-              <a:rPr lang="es-EC" sz="2400">
+              <a:rPr lang="es-EC" sz="2400" dirty="0">
                 <a:solidFill>
                   <a:srgbClr val="000000"/>
                 </a:solidFill>
@@ -15897,7 +18035,7 @@
               </a:rPr>
               <a:t>Modulo de Desambiguación</a:t>
             </a:r>
-            <a:endParaRPr/>
+            <a:endParaRPr dirty="0"/>
           </a:p>
           <a:p>
             <a:pPr lvl="2">
@@ -15909,16 +18047,26 @@
               <a:buChar char=""/>
             </a:pPr>
             <a:r>
-              <a:rPr lang="es-EC" sz="2400">
+              <a:rPr lang="es-EC" sz="2400" dirty="0">
                 <a:solidFill>
                   <a:srgbClr val="000000"/>
                 </a:solidFill>
                 <a:latin typeface="Arial"/>
                 <a:ea typeface="ＭＳ Ｐゴシック"/>
               </a:rPr>
-              <a:t>Servicio Web - Rest</a:t>
-            </a:r>
-            <a:endParaRPr/>
+              <a:t>Servicio Web - </a:t>
+            </a:r>
+            <a:r>
+              <a:rPr lang="es-EC" sz="2400" dirty="0" err="1">
+                <a:solidFill>
+                  <a:srgbClr val="000000"/>
+                </a:solidFill>
+                <a:latin typeface="Arial"/>
+                <a:ea typeface="ＭＳ Ｐゴシック"/>
+              </a:rPr>
+              <a:t>Rest</a:t>
+            </a:r>
+            <a:endParaRPr dirty="0"/>
           </a:p>
           <a:p>
             <a:pPr lvl="1">
@@ -15930,7 +18078,7 @@
               <a:buChar char=""/>
             </a:pPr>
             <a:r>
-              <a:rPr lang="es-EC" sz="2400" b="1">
+              <a:rPr lang="es-EC" sz="2400" b="1" dirty="0">
                 <a:solidFill>
                   <a:srgbClr val="000000"/>
                 </a:solidFill>
@@ -15939,7 +18087,7 @@
               </a:rPr>
               <a:t>Actividades realizadas</a:t>
             </a:r>
-            <a:endParaRPr/>
+            <a:endParaRPr dirty="0"/>
           </a:p>
           <a:p>
             <a:pPr lvl="1">
@@ -15951,7 +18099,7 @@
               <a:buChar char=""/>
             </a:pPr>
             <a:r>
-              <a:rPr lang="es-EC" sz="2400" b="1">
+              <a:rPr lang="es-EC" sz="2400" b="1" dirty="0">
                 <a:solidFill>
                   <a:srgbClr val="000000"/>
                 </a:solidFill>
@@ -15960,7 +18108,7 @@
               </a:rPr>
               <a:t>Actividades pendientes</a:t>
             </a:r>
-            <a:endParaRPr/>
+            <a:endParaRPr dirty="0"/>
           </a:p>
           <a:p>
             <a:pPr lvl="2">
@@ -15972,7 +18120,7 @@
               <a:buChar char=""/>
             </a:pPr>
             <a:r>
-              <a:rPr lang="es-EC" sz="2400">
+              <a:rPr lang="es-EC" sz="2400" dirty="0">
                 <a:solidFill>
                   <a:srgbClr val="000000"/>
                 </a:solidFill>
@@ -15981,7 +18129,7 @@
               </a:rPr>
               <a:t>Corregir errores en resultados de servicio web</a:t>
             </a:r>
-            <a:endParaRPr/>
+            <a:endParaRPr dirty="0"/>
           </a:p>
         </p:txBody>
       </p:sp>
@@ -16339,16 +18487,16 @@
               </a:lnSpc>
             </a:pPr>
             <a:r>
-              <a:rPr lang="es-EC">
+              <a:rPr lang="es-EC" dirty="0" smtClean="0">
                 <a:solidFill>
                   <a:srgbClr val="000000"/>
                 </a:solidFill>
                 <a:latin typeface="Arial"/>
                 <a:ea typeface="ＭＳ Ｐゴシック"/>
               </a:rPr>
-              <a:t>%68</a:t>
-            </a:r>
-            <a:endParaRPr/>
+              <a:t>%85</a:t>
+            </a:r>
+            <a:endParaRPr dirty="0"/>
           </a:p>
         </p:txBody>
       </p:sp>
@@ -16377,16 +18525,16 @@
               </a:lnSpc>
             </a:pPr>
             <a:r>
-              <a:rPr lang="es-EC">
+              <a:rPr lang="es-EC" dirty="0" smtClean="0">
                 <a:solidFill>
                   <a:srgbClr val="000000"/>
                 </a:solidFill>
                 <a:latin typeface="Arial"/>
                 <a:ea typeface="ＭＳ Ｐゴシック"/>
               </a:rPr>
-              <a:t>%80</a:t>
-            </a:r>
-            <a:endParaRPr/>
+              <a:t>%90</a:t>
+            </a:r>
+            <a:endParaRPr dirty="0"/>
           </a:p>
         </p:txBody>
       </p:sp>
@@ -16415,24 +18563,14 @@
               </a:lnSpc>
             </a:pPr>
             <a:r>
-              <a:rPr lang="es-EC" b="1" dirty="0">
+              <a:rPr lang="es-EC" b="1" dirty="0" smtClean="0">
                 <a:solidFill>
                   <a:srgbClr val="00B050"/>
                 </a:solidFill>
                 <a:latin typeface="Arial"/>
                 <a:ea typeface="ＭＳ Ｐゴシック"/>
               </a:rPr>
-              <a:t>%</a:t>
-            </a:r>
-            <a:r>
-              <a:rPr lang="es-EC" b="1" dirty="0" smtClean="0">
-                <a:solidFill>
-                  <a:srgbClr val="00B050"/>
-                </a:solidFill>
-                <a:latin typeface="Arial"/>
-                <a:ea typeface="ＭＳ Ｐゴシック"/>
-              </a:rPr>
-              <a:t>10</a:t>
+              <a:t>%15</a:t>
             </a:r>
             <a:endParaRPr dirty="0"/>
           </a:p>
@@ -16488,16 +18626,77 @@
               </a:lnSpc>
             </a:pPr>
             <a:r>
-              <a:rPr lang="es-EC">
+              <a:rPr lang="es-EC" dirty="0">
                 <a:solidFill>
                   <a:srgbClr val="000000"/>
                 </a:solidFill>
                 <a:latin typeface="Arial"/>
                 <a:ea typeface="ＭＳ Ｐゴシック"/>
               </a:rPr>
-              <a:t>Observaciones: retrasos en documentación</a:t>
-            </a:r>
-            <a:endParaRPr/>
+              <a:t>Observaciones: </a:t>
+            </a:r>
+            <a:endParaRPr lang="es-EC" dirty="0" smtClean="0">
+              <a:solidFill>
+                <a:srgbClr val="000000"/>
+              </a:solidFill>
+              <a:latin typeface="Arial"/>
+              <a:ea typeface="ＭＳ Ｐゴシック"/>
+            </a:endParaRPr>
+          </a:p>
+          <a:p>
+            <a:pPr>
+              <a:lnSpc>
+                <a:spcPct val="100000"/>
+              </a:lnSpc>
+            </a:pPr>
+            <a:r>
+              <a:rPr lang="es-EC" dirty="0" smtClean="0">
+                <a:solidFill>
+                  <a:srgbClr val="000000"/>
+                </a:solidFill>
+                <a:latin typeface="Arial"/>
+                <a:ea typeface="ＭＳ Ｐゴシック"/>
+              </a:rPr>
+              <a:t>Retrasos </a:t>
+            </a:r>
+            <a:r>
+              <a:rPr lang="es-EC" dirty="0">
+                <a:solidFill>
+                  <a:srgbClr val="000000"/>
+                </a:solidFill>
+                <a:latin typeface="Arial"/>
+                <a:ea typeface="ＭＳ Ｐゴシック"/>
+              </a:rPr>
+              <a:t>en </a:t>
+            </a:r>
+            <a:r>
+              <a:rPr lang="es-EC" dirty="0" smtClean="0">
+                <a:solidFill>
+                  <a:srgbClr val="000000"/>
+                </a:solidFill>
+                <a:latin typeface="Arial"/>
+                <a:ea typeface="ＭＳ Ｐゴシック"/>
+              </a:rPr>
+              <a:t>documentación</a:t>
+            </a:r>
+          </a:p>
+          <a:p>
+            <a:pPr>
+              <a:lnSpc>
+                <a:spcPct val="100000"/>
+              </a:lnSpc>
+            </a:pPr>
+            <a:r>
+              <a:rPr lang="es-EC" dirty="0" smtClean="0">
+                <a:solidFill>
+                  <a:srgbClr val="000000"/>
+                </a:solidFill>
+                <a:latin typeface="Arial"/>
+                <a:ea typeface="ＭＳ Ｐゴシック"/>
+              </a:rPr>
+              <a:t>Retrasos en implantación y pruebas</a:t>
+            </a:r>
+            <a:endParaRPr dirty="0"/>
           </a:p>
         </p:txBody>
       </p:sp>
@@ -16505,7 +18704,13 @@
         <p:nvGraphicFramePr>
           <p:cNvPr id="241" name="Table 12"/>
           <p:cNvGraphicFramePr/>
-          <p:nvPr/>
+          <p:nvPr>
+            <p:extLst>
+              <p:ext uri="{D42A27DB-BD31-4B8C-83A1-F6EECF244321}">
+                <p14:modId xmlns:p14="http://schemas.microsoft.com/office/powerpoint/2010/main" val="1342708686"/>
+              </p:ext>
+            </p:extLst>
+          </p:nvPr>
         </p:nvGraphicFramePr>
         <p:xfrm>
           <a:off x="355680" y="2557080"/>
@@ -16534,7 +18739,7 @@
                         </a:lnSpc>
                       </a:pPr>
                       <a:r>
-                        <a:rPr lang="es-EC" sz="2000" b="1">
+                        <a:rPr lang="es-EC" sz="2000" b="1" dirty="0">
                           <a:solidFill>
                             <a:srgbClr val="000000"/>
                           </a:solidFill>
@@ -16542,7 +18747,7 @@
                         </a:rPr>
                         <a:t>Nombre Fase</a:t>
                       </a:r>
-                      <a:endParaRPr/>
+                      <a:endParaRPr dirty="0"/>
                     </a:p>
                   </a:txBody>
                   <a:tcPr/>
@@ -16680,7 +18885,7 @@
                         </a:lnSpc>
                       </a:pPr>
                       <a:r>
-                        <a:rPr lang="es-EC">
+                        <a:rPr lang="es-EC" dirty="0">
                           <a:solidFill>
                             <a:srgbClr val="000000"/>
                           </a:solidFill>
@@ -16688,7 +18893,7 @@
                         </a:rPr>
                         <a:t> 12/12/2013</a:t>
                       </a:r>
-                      <a:endParaRPr/>
+                      <a:endParaRPr dirty="0"/>
                     </a:p>
                   </a:txBody>
                   <a:tcPr/>
@@ -16704,7 +18909,7 @@
                         </a:lnSpc>
                       </a:pPr>
                       <a:r>
-                        <a:rPr lang="es-EC">
+                        <a:rPr lang="es-EC" dirty="0">
                           <a:solidFill>
                             <a:srgbClr val="000000"/>
                           </a:solidFill>
@@ -16712,7 +18917,7 @@
                         </a:rPr>
                         <a:t> 100%</a:t>
                       </a:r>
-                      <a:endParaRPr/>
+                      <a:endParaRPr dirty="0"/>
                     </a:p>
                   </a:txBody>
                   <a:tcPr/>
@@ -16728,7 +18933,7 @@
                         </a:lnSpc>
                       </a:pPr>
                       <a:r>
-                        <a:rPr lang="es-EC">
+                        <a:rPr lang="es-EC" dirty="0">
                           <a:solidFill>
                             <a:srgbClr val="000000"/>
                           </a:solidFill>
@@ -16736,7 +18941,7 @@
                         </a:rPr>
                         <a:t> 100%</a:t>
                       </a:r>
-                      <a:endParaRPr/>
+                      <a:endParaRPr dirty="0"/>
                     </a:p>
                   </a:txBody>
                   <a:tcPr/>
@@ -16826,15 +19031,24 @@
                         </a:lnSpc>
                       </a:pPr>
                       <a:r>
-                        <a:rPr lang="es-EC">
+                        <a:rPr lang="es-EC" dirty="0">
                           <a:solidFill>
                             <a:srgbClr val="000000"/>
                           </a:solidFill>
                           <a:latin typeface="Calibri"/>
                         </a:rPr>
-                        <a:t> 90%</a:t>
+                        <a:t> </a:t>
                       </a:r>
-                      <a:endParaRPr/>
+                      <a:r>
+                        <a:rPr lang="es-EC" dirty="0" smtClean="0">
+                          <a:solidFill>
+                            <a:srgbClr val="000000"/>
+                          </a:solidFill>
+                          <a:latin typeface="Calibri"/>
+                        </a:rPr>
+                        <a:t>99%</a:t>
+                      </a:r>
+                      <a:endParaRPr dirty="0"/>
                     </a:p>
                   </a:txBody>
                   <a:tcPr/>
@@ -16850,15 +19064,24 @@
                         </a:lnSpc>
                       </a:pPr>
                       <a:r>
-                        <a:rPr lang="es-EC">
+                        <a:rPr lang="es-EC" dirty="0">
                           <a:solidFill>
                             <a:srgbClr val="000000"/>
                           </a:solidFill>
                           <a:latin typeface="Calibri"/>
                         </a:rPr>
-                        <a:t> 90%</a:t>
+                        <a:t> </a:t>
                       </a:r>
-                      <a:endParaRPr/>
+                      <a:r>
+                        <a:rPr lang="es-EC" dirty="0" smtClean="0">
+                          <a:solidFill>
+                            <a:srgbClr val="000000"/>
+                          </a:solidFill>
+                          <a:latin typeface="Calibri"/>
+                        </a:rPr>
+                        <a:t>95%</a:t>
+                      </a:r>
+                      <a:endParaRPr dirty="0"/>
                     </a:p>
                   </a:txBody>
                   <a:tcPr/>
@@ -16948,15 +19171,24 @@
                         </a:lnSpc>
                       </a:pPr>
                       <a:r>
-                        <a:rPr lang="es-EC">
+                        <a:rPr lang="es-EC" dirty="0">
                           <a:solidFill>
                             <a:srgbClr val="000000"/>
                           </a:solidFill>
                           <a:latin typeface="Calibri"/>
                         </a:rPr>
-                        <a:t> 95%</a:t>
+                        <a:t> </a:t>
                       </a:r>
-                      <a:endParaRPr/>
+                      <a:r>
+                        <a:rPr lang="es-EC" dirty="0" smtClean="0">
+                          <a:solidFill>
+                            <a:srgbClr val="000000"/>
+                          </a:solidFill>
+                          <a:latin typeface="Calibri"/>
+                        </a:rPr>
+                        <a:t>100%</a:t>
+                      </a:r>
+                      <a:endParaRPr dirty="0"/>
                     </a:p>
                   </a:txBody>
                   <a:tcPr/>
@@ -16972,15 +19204,24 @@
                         </a:lnSpc>
                       </a:pPr>
                       <a:r>
-                        <a:rPr lang="es-EC">
+                        <a:rPr lang="es-EC" dirty="0">
                           <a:solidFill>
                             <a:srgbClr val="000000"/>
                           </a:solidFill>
                           <a:latin typeface="Calibri"/>
                         </a:rPr>
-                        <a:t> 85%</a:t>
+                        <a:t> </a:t>
                       </a:r>
-                      <a:endParaRPr/>
+                      <a:r>
+                        <a:rPr lang="es-EC" dirty="0" smtClean="0">
+                          <a:solidFill>
+                            <a:srgbClr val="000000"/>
+                          </a:solidFill>
+                          <a:latin typeface="Calibri"/>
+                        </a:rPr>
+                        <a:t>90%</a:t>
+                      </a:r>
+                      <a:endParaRPr dirty="0"/>
                     </a:p>
                   </a:txBody>
                   <a:tcPr/>
@@ -17070,15 +19311,33 @@
                         </a:lnSpc>
                       </a:pPr>
                       <a:r>
-                        <a:rPr lang="es-EC">
+                        <a:rPr lang="es-EC" dirty="0">
                           <a:solidFill>
                             <a:srgbClr val="000000"/>
                           </a:solidFill>
                           <a:latin typeface="Calibri"/>
                         </a:rPr>
-                        <a:t> 40%</a:t>
+                        <a:t> </a:t>
                       </a:r>
-                      <a:endParaRPr/>
+                      <a:r>
+                        <a:rPr lang="es-EC" dirty="0" smtClean="0">
+                          <a:solidFill>
+                            <a:srgbClr val="000000"/>
+                          </a:solidFill>
+                          <a:latin typeface="Calibri"/>
+                        </a:rPr>
+                        <a:t>50</a:t>
+                      </a:r>
+                      <a:r>
+                        <a:rPr lang="es-EC" dirty="0">
+                          <a:solidFill>
+                            <a:srgbClr val="000000"/>
+                          </a:solidFill>
+                          <a:latin typeface="Calibri"/>
+                        </a:rPr>
+                        <a:t>%</a:t>
+                      </a:r>
+                      <a:endParaRPr dirty="0"/>
                     </a:p>
                   </a:txBody>
                   <a:tcPr/>
@@ -17094,15 +19353,33 @@
                         </a:lnSpc>
                       </a:pPr>
                       <a:r>
-                        <a:rPr lang="es-EC">
+                        <a:rPr lang="es-EC" dirty="0">
                           <a:solidFill>
                             <a:srgbClr val="000000"/>
                           </a:solidFill>
                           <a:latin typeface="Calibri"/>
                         </a:rPr>
-                        <a:t>40%</a:t>
+                        <a:t>2</a:t>
                       </a:r>
-                      <a:endParaRPr/>
+                      <a:r>
+                        <a:rPr lang="es-EC" dirty="0" smtClean="0">
+                          <a:solidFill>
+                            <a:srgbClr val="000000"/>
+                          </a:solidFill>
+                          <a:latin typeface="Calibri"/>
+                        </a:rPr>
+                        <a:t>0</a:t>
+                      </a:r>
+                      <a:r>
+                        <a:rPr lang="es-EC" dirty="0">
+                          <a:solidFill>
+                            <a:srgbClr val="000000"/>
+                          </a:solidFill>
+                          <a:latin typeface="Calibri"/>
+                        </a:rPr>
+                        <a:t>%</a:t>
+                      </a:r>
+                      <a:endParaRPr dirty="0"/>
                     </a:p>
                   </a:txBody>
                   <a:tcPr/>
@@ -17118,15 +19395,24 @@
                         </a:lnSpc>
                       </a:pPr>
                       <a:r>
-                        <a:rPr lang="es-EC">
+                        <a:rPr lang="es-EC" smtClean="0">
                           <a:solidFill>
                             <a:srgbClr val="000000"/>
                           </a:solidFill>
                           <a:latin typeface="Calibri"/>
                         </a:rPr>
-                        <a:t>10%</a:t>
+                        <a:t>10</a:t>
                       </a:r>
-                      <a:endParaRPr/>
+                      <a:r>
+                        <a:rPr lang="es-EC" dirty="0">
+                          <a:solidFill>
+                            <a:srgbClr val="000000"/>
+                          </a:solidFill>
+                          <a:latin typeface="Calibri"/>
+                        </a:rPr>
+                        <a:t>%</a:t>
+                      </a:r>
+                      <a:endParaRPr dirty="0"/>
                     </a:p>
                   </a:txBody>
                   <a:tcPr/>
